--- a/document.pptx
+++ b/document.pptx
@@ -8585,10 +8585,10 @@
       </p:grpSpPr>
       <p:sp>
         <p:nvSpPr>
-          <p:cNvPr id="92" name="Rectangle 64">
-            <a:extLst>
-              <a:ext uri="{FF2B5EF4-FFF2-40B4-BE49-F238E27FC236}">
-                <a16:creationId xmlns:a16="http://schemas.microsoft.com/office/drawing/2014/main" id="{904DB13E-F722-4ED6-BB00-556651E95281}"/>
+          <p:cNvPr id="106" name="Rectangle 105">
+            <a:extLst>
+              <a:ext uri="{FF2B5EF4-FFF2-40B4-BE49-F238E27FC236}">
+                <a16:creationId xmlns:a16="http://schemas.microsoft.com/office/drawing/2014/main" id="{2DC4AA0A-D9C3-4A0B-990D-1BCB0022A696}"/>
               </a:ext>
               <a:ext uri="{C183D7F6-B498-43B3-948B-1728B52AA6E4}">
                 <adec:decorative xmlns:adec="http://schemas.microsoft.com/office/drawing/2017/decorative" val="1"/>
@@ -8608,17 +8608,14 @@
         </p:nvSpPr>
         <p:spPr>
           <a:xfrm>
-            <a:off x="0" y="0"/>
-            <a:ext cx="12192000" cy="6858000"/>
+            <a:off x="-1867" y="0"/>
+            <a:ext cx="12193867" cy="6858000"/>
           </a:xfrm>
           <a:prstGeom prst="rect">
             <a:avLst/>
           </a:prstGeom>
           <a:solidFill>
-            <a:schemeClr val="tx1">
-              <a:lumMod val="65000"/>
-              <a:lumOff val="35000"/>
-            </a:schemeClr>
+            <a:schemeClr val="tx1"/>
           </a:solidFill>
           <a:ln>
             <a:noFill/>
@@ -8645,16 +8642,50 @@
           <a:lstStyle/>
           <a:p>
             <a:pPr algn="ctr"/>
-            <a:endParaRPr lang="en-US"/>
+            <a:endParaRPr lang="en-US" dirty="0"/>
           </a:p>
         </p:txBody>
       </p:sp>
-      <p:sp useBgFill="1">
-        <p:nvSpPr>
-          <p:cNvPr id="93" name="Rectangle 66">
-            <a:extLst>
-              <a:ext uri="{FF2B5EF4-FFF2-40B4-BE49-F238E27FC236}">
-                <a16:creationId xmlns:a16="http://schemas.microsoft.com/office/drawing/2014/main" id="{1E8D93C5-28EB-42D0-86CE-D804955653CC}"/>
+      <p:pic>
+        <p:nvPicPr>
+          <p:cNvPr id="4" name="Picture 3" descr="abstract image">
+            <a:extLst>
+              <a:ext uri="{FF2B5EF4-FFF2-40B4-BE49-F238E27FC236}">
+                <a16:creationId xmlns:a16="http://schemas.microsoft.com/office/drawing/2014/main" id="{5C002EE5-E4FF-463C-8DAA-9AC0B6D407FF}"/>
+              </a:ext>
+            </a:extLst>
+          </p:cNvPr>
+          <p:cNvPicPr>
+            <a:picLocks noChangeAspect="1"/>
+          </p:cNvPicPr>
+          <p:nvPr/>
+        </p:nvPicPr>
+        <p:blipFill rotWithShape="1">
+          <a:blip r:embed="rId2">
+            <a:extLst>
+              <a:ext uri="{28A0092B-C50C-407E-A947-70E740481C1C}">
+                <a14:useLocalDpi xmlns:a14="http://schemas.microsoft.com/office/drawing/2010/main" val="0"/>
+              </a:ext>
+            </a:extLst>
+          </a:blip>
+          <a:stretch/>
+        </p:blipFill>
+        <p:spPr>
+          <a:xfrm>
+            <a:off x="3593616" y="641059"/>
+            <a:ext cx="5283925" cy="2972208"/>
+          </a:xfrm>
+          <a:prstGeom prst="rect">
+            <a:avLst/>
+          </a:prstGeom>
+        </p:spPr>
+      </p:pic>
+      <p:sp>
+        <p:nvSpPr>
+          <p:cNvPr id="108" name="Rectangle 107">
+            <a:extLst>
+              <a:ext uri="{FF2B5EF4-FFF2-40B4-BE49-F238E27FC236}">
+                <a16:creationId xmlns:a16="http://schemas.microsoft.com/office/drawing/2014/main" id="{370878C7-7719-40BD-AA97-751A85670594}"/>
               </a:ext>
               <a:ext uri="{C183D7F6-B498-43B3-948B-1728B52AA6E4}">
                 <adec:decorative xmlns:adec="http://schemas.microsoft.com/office/drawing/2017/decorative" val="1"/>
@@ -8674,12 +8705,15 @@
         </p:nvSpPr>
         <p:spPr>
           <a:xfrm>
-            <a:off x="1307870" y="1267730"/>
-            <a:ext cx="9576262" cy="4307950"/>
-          </a:xfrm>
-          <a:prstGeom prst="rect">
-            <a:avLst/>
-          </a:prstGeom>
+            <a:off x="630501" y="4212709"/>
+            <a:ext cx="10905302" cy="1997060"/>
+          </a:xfrm>
+          <a:prstGeom prst="rect">
+            <a:avLst/>
+          </a:prstGeom>
+          <a:solidFill>
+            <a:srgbClr val="425C4A"/>
+          </a:solidFill>
           <a:ln w="6350" cap="flat" cmpd="sng" algn="ctr">
             <a:noFill/>
             <a:prstDash val="solid"/>
@@ -8696,10 +8730,10 @@
       </p:sp>
       <p:sp>
         <p:nvSpPr>
-          <p:cNvPr id="94" name="Rectangle 68">
-            <a:extLst>
-              <a:ext uri="{FF2B5EF4-FFF2-40B4-BE49-F238E27FC236}">
-                <a16:creationId xmlns:a16="http://schemas.microsoft.com/office/drawing/2014/main" id="{AB1B1E7D-F76D-4744-AF85-239E6998A4C5}"/>
+          <p:cNvPr id="110" name="Rectangle 109">
+            <a:extLst>
+              <a:ext uri="{FF2B5EF4-FFF2-40B4-BE49-F238E27FC236}">
+                <a16:creationId xmlns:a16="http://schemas.microsoft.com/office/drawing/2014/main" id="{1D9D3865-C494-4C4A-8495-8245E905469D}"/>
               </a:ext>
               <a:ext uri="{C183D7F6-B498-43B3-948B-1728B52AA6E4}">
                 <adec:decorative xmlns:adec="http://schemas.microsoft.com/office/drawing/2017/decorative" val="1"/>
@@ -8719,8 +8753,8 @@
         </p:nvSpPr>
         <p:spPr>
           <a:xfrm>
-            <a:off x="1447801" y="1411615"/>
-            <a:ext cx="9296400" cy="4034770"/>
+            <a:off x="793348" y="4379135"/>
+            <a:ext cx="10579608" cy="1664208"/>
           </a:xfrm>
           <a:prstGeom prst="rect">
             <a:avLst/>
@@ -8728,10 +8762,7 @@
           <a:noFill/>
           <a:ln w="6350" cap="sq" cmpd="sng" algn="ctr">
             <a:solidFill>
-              <a:schemeClr val="tx1">
-                <a:lumMod val="75000"/>
-                <a:lumOff val="25000"/>
-              </a:schemeClr>
+              <a:srgbClr val="FFFFFF"/>
             </a:solidFill>
             <a:prstDash val="solid"/>
             <a:miter lim="800000"/>
@@ -8739,21 +8770,21 @@
           <a:effectLst/>
         </p:spPr>
       </p:sp>
-      <p:sp>
-        <p:nvSpPr>
-          <p:cNvPr id="95" name="Rectangle 70">
-            <a:extLst>
-              <a:ext uri="{FF2B5EF4-FFF2-40B4-BE49-F238E27FC236}">
-                <a16:creationId xmlns:a16="http://schemas.microsoft.com/office/drawing/2014/main" id="{3BB65211-00DB-45B6-A223-033B2D19CBE8}"/>
+      <p:cxnSp>
+        <p:nvCxnSpPr>
+          <p:cNvPr id="112" name="Straight Connector 111">
+            <a:extLst>
+              <a:ext uri="{FF2B5EF4-FFF2-40B4-BE49-F238E27FC236}">
+                <a16:creationId xmlns:a16="http://schemas.microsoft.com/office/drawing/2014/main" id="{B78EE79F-FCAA-4CF9-9746-730B51FC4CB3}"/>
               </a:ext>
               <a:ext uri="{C183D7F6-B498-43B3-948B-1728B52AA6E4}">
                 <adec:decorative xmlns:adec="http://schemas.microsoft.com/office/drawing/2017/decorative" val="1"/>
               </a:ext>
             </a:extLst>
           </p:cNvPr>
-          <p:cNvSpPr>
-            <a:spLocks noGrp="1" noRot="1" noChangeAspect="1" noMove="1" noResize="1" noEditPoints="1" noAdjustHandles="1" noChangeArrowheads="1" noChangeShapeType="1" noTextEdit="1"/>
-          </p:cNvSpPr>
+          <p:cNvCxnSpPr>
+            <a:cxnSpLocks noGrp="1" noRot="1" noChangeAspect="1" noMove="1" noResize="1" noEditPoints="1" noAdjustHandles="1" noChangeArrowheads="1" noChangeShapeType="1"/>
+          </p:cNvCxnSpPr>
           <p:nvPr>
             <p:extLst>
               <p:ext uri="{386F3935-93C4-4BCD-93E2-E3B085C9AB24}">
@@ -8761,18 +8792,392 @@
               </p:ext>
             </p:extLst>
           </p:nvPr>
-        </p:nvSpPr>
-        <p:spPr>
-          <a:xfrm>
-            <a:off x="5135880" y="1267730"/>
-            <a:ext cx="1920240" cy="731520"/>
-          </a:xfrm>
-          <a:prstGeom prst="rect">
-            <a:avLst/>
-          </a:prstGeom>
-          <a:solidFill>
+        </p:nvCxnSpPr>
+        <p:spPr>
+          <a:xfrm>
+            <a:off x="6096000" y="4634895"/>
+            <a:ext cx="0" cy="1152689"/>
+          </a:xfrm>
+          <a:prstGeom prst="line">
+            <a:avLst/>
+          </a:prstGeom>
+          <a:ln>
+            <a:solidFill>
+              <a:srgbClr val="FFFFFF"/>
+            </a:solidFill>
+          </a:ln>
+        </p:spPr>
+        <p:style>
+          <a:lnRef idx="1">
             <a:schemeClr val="accent1"/>
-          </a:solidFill>
+          </a:lnRef>
+          <a:fillRef idx="0">
+            <a:schemeClr val="accent1"/>
+          </a:fillRef>
+          <a:effectRef idx="0">
+            <a:schemeClr val="accent1"/>
+          </a:effectRef>
+          <a:fontRef idx="minor">
+            <a:schemeClr val="tx1"/>
+          </a:fontRef>
+        </p:style>
+      </p:cxnSp>
+      <p:sp>
+        <p:nvSpPr>
+          <p:cNvPr id="3" name="TextBox 2">
+            <a:extLst>
+              <a:ext uri="{FF2B5EF4-FFF2-40B4-BE49-F238E27FC236}">
+                <a16:creationId xmlns:a16="http://schemas.microsoft.com/office/drawing/2014/main" id="{F1593792-9169-4003-B733-0188FE23B69A}"/>
+              </a:ext>
+            </a:extLst>
+          </p:cNvPr>
+          <p:cNvSpPr txBox="1"/>
+          <p:nvPr/>
+        </p:nvSpPr>
+        <p:spPr>
+          <a:xfrm>
+            <a:off x="6256866" y="4495894"/>
+            <a:ext cx="4978899" cy="1444718"/>
+          </a:xfrm>
+          <a:prstGeom prst="rect">
+            <a:avLst/>
+          </a:prstGeom>
+        </p:spPr>
+        <p:txBody>
+          <a:bodyPr vert="horz" lIns="91440" tIns="45720" rIns="91440" bIns="45720" rtlCol="0" anchor="ctr">
+            <a:normAutofit/>
+          </a:bodyPr>
+          <a:lstStyle/>
+          <a:p>
+            <a:pPr algn="r" rtl="1">
+              <a:spcBef>
+                <a:spcPct val="0"/>
+              </a:spcBef>
+              <a:spcAft>
+                <a:spcPts val="600"/>
+              </a:spcAft>
+              <a:buClr>
+                <a:schemeClr val="tx1">
+                  <a:lumMod val="85000"/>
+                  <a:lumOff val="15000"/>
+                </a:schemeClr>
+              </a:buClr>
+            </a:pPr>
+            <a:r>
+              <a:rPr lang="en-US" sz="2400" cap="all" spc="-100" dirty="0">
+                <a:solidFill>
+                  <a:srgbClr val="FFFFFF"/>
+                </a:solidFill>
+                <a:cs typeface="B Nazanin" panose="00000400000000000000" pitchFamily="2" charset="-78"/>
+              </a:rPr>
+              <a:t>Topic Modeling</a:t>
+            </a:r>
+            <a:r>
+              <a:rPr lang="fa-IR" sz="2400" cap="all" spc="-100" dirty="0">
+                <a:solidFill>
+                  <a:srgbClr val="FFFFFF"/>
+                </a:solidFill>
+                <a:cs typeface="B Nazanin" panose="00000400000000000000" pitchFamily="2" charset="-78"/>
+              </a:rPr>
+              <a:t> انجام شده در </a:t>
+            </a:r>
+            <a:r>
+              <a:rPr lang="en-US" sz="2400" cap="all" spc="-100" dirty="0">
+                <a:solidFill>
+                  <a:srgbClr val="FFFFFF"/>
+                </a:solidFill>
+                <a:cs typeface="B Nazanin" panose="00000400000000000000" pitchFamily="2" charset="-78"/>
+              </a:rPr>
+              <a:t>LDA</a:t>
+            </a:r>
+            <a:endParaRPr lang="fa-IR" sz="2400" cap="all" spc="-100" dirty="0">
+              <a:solidFill>
+                <a:srgbClr val="FFFFFF"/>
+              </a:solidFill>
+              <a:cs typeface="B Nazanin" panose="00000400000000000000" pitchFamily="2" charset="-78"/>
+            </a:endParaRPr>
+          </a:p>
+          <a:p>
+            <a:pPr algn="r" rtl="1">
+              <a:spcBef>
+                <a:spcPct val="0"/>
+              </a:spcBef>
+              <a:spcAft>
+                <a:spcPts val="600"/>
+              </a:spcAft>
+              <a:buClr>
+                <a:schemeClr val="tx1">
+                  <a:lumMod val="85000"/>
+                  <a:lumOff val="15000"/>
+                </a:schemeClr>
+              </a:buClr>
+            </a:pPr>
+            <a:r>
+              <a:rPr lang="fa-IR" sz="2400" cap="all" spc="-100" dirty="0">
+                <a:solidFill>
+                  <a:srgbClr val="FFFFFF"/>
+                </a:solidFill>
+                <a:cs typeface="B Nazanin" panose="00000400000000000000" pitchFamily="2" charset="-78"/>
+              </a:rPr>
+              <a:t>نتایج صفحه بعد</a:t>
+            </a:r>
+            <a:endParaRPr lang="en-US" sz="2400" cap="all" spc="-100" dirty="0">
+              <a:solidFill>
+                <a:srgbClr val="FFFFFF"/>
+              </a:solidFill>
+              <a:cs typeface="B Nazanin" panose="00000400000000000000" pitchFamily="2" charset="-78"/>
+            </a:endParaRPr>
+          </a:p>
+        </p:txBody>
+      </p:sp>
+      <p:pic>
+        <p:nvPicPr>
+          <p:cNvPr id="7" name="Picture 6">
+            <a:extLst>
+              <a:ext uri="{FF2B5EF4-FFF2-40B4-BE49-F238E27FC236}">
+                <a16:creationId xmlns:a16="http://schemas.microsoft.com/office/drawing/2014/main" id="{B8CE94E1-814C-4F63-BE98-99DE496F2129}"/>
+              </a:ext>
+            </a:extLst>
+          </p:cNvPr>
+          <p:cNvPicPr>
+            <a:picLocks noChangeAspect="1"/>
+          </p:cNvPicPr>
+          <p:nvPr/>
+        </p:nvPicPr>
+        <p:blipFill>
+          <a:blip r:embed="rId3"/>
+          <a:stretch>
+            <a:fillRect/>
+          </a:stretch>
+        </p:blipFill>
+        <p:spPr>
+          <a:xfrm>
+            <a:off x="816684" y="1446548"/>
+            <a:ext cx="4610550" cy="2397485"/>
+          </a:xfrm>
+          <a:prstGeom prst="rect">
+            <a:avLst/>
+          </a:prstGeom>
+        </p:spPr>
+      </p:pic>
+      <p:pic>
+        <p:nvPicPr>
+          <p:cNvPr id="5" name="Picture 4">
+            <a:extLst>
+              <a:ext uri="{FF2B5EF4-FFF2-40B4-BE49-F238E27FC236}">
+                <a16:creationId xmlns:a16="http://schemas.microsoft.com/office/drawing/2014/main" id="{A98A96BB-DEF9-4815-A6FE-AC66D9BAF692}"/>
+              </a:ext>
+            </a:extLst>
+          </p:cNvPr>
+          <p:cNvPicPr>
+            <a:picLocks noChangeAspect="1"/>
+          </p:cNvPicPr>
+          <p:nvPr/>
+        </p:nvPicPr>
+        <p:blipFill>
+          <a:blip r:embed="rId4"/>
+          <a:stretch>
+            <a:fillRect/>
+          </a:stretch>
+        </p:blipFill>
+        <p:spPr>
+          <a:xfrm>
+            <a:off x="6764768" y="1582192"/>
+            <a:ext cx="5140554" cy="2261841"/>
+          </a:xfrm>
+          <a:prstGeom prst="rect">
+            <a:avLst/>
+          </a:prstGeom>
+        </p:spPr>
+      </p:pic>
+      <p:sp>
+        <p:nvSpPr>
+          <p:cNvPr id="25" name="TextBox 24">
+            <a:extLst>
+              <a:ext uri="{FF2B5EF4-FFF2-40B4-BE49-F238E27FC236}">
+                <a16:creationId xmlns:a16="http://schemas.microsoft.com/office/drawing/2014/main" id="{234B1459-611F-4938-99A7-428C27A0ABD1}"/>
+              </a:ext>
+            </a:extLst>
+          </p:cNvPr>
+          <p:cNvSpPr txBox="1"/>
+          <p:nvPr/>
+        </p:nvSpPr>
+        <p:spPr>
+          <a:xfrm>
+            <a:off x="816684" y="4488880"/>
+            <a:ext cx="4978899" cy="1444718"/>
+          </a:xfrm>
+          <a:prstGeom prst="rect">
+            <a:avLst/>
+          </a:prstGeom>
+        </p:spPr>
+        <p:txBody>
+          <a:bodyPr vert="horz" lIns="91440" tIns="45720" rIns="91440" bIns="45720" rtlCol="0" anchor="ctr">
+            <a:normAutofit/>
+          </a:bodyPr>
+          <a:lstStyle/>
+          <a:p>
+            <a:pPr algn="r" rtl="1">
+              <a:spcBef>
+                <a:spcPct val="0"/>
+              </a:spcBef>
+              <a:spcAft>
+                <a:spcPts val="600"/>
+              </a:spcAft>
+              <a:buClr>
+                <a:schemeClr val="tx1">
+                  <a:lumMod val="85000"/>
+                  <a:lumOff val="15000"/>
+                </a:schemeClr>
+              </a:buClr>
+            </a:pPr>
+            <a:r>
+              <a:rPr lang="en-US" sz="2400" cap="all" spc="-100" dirty="0">
+                <a:solidFill>
+                  <a:srgbClr val="FFFFFF"/>
+                </a:solidFill>
+                <a:cs typeface="B Nazanin" panose="00000400000000000000" pitchFamily="2" charset="-78"/>
+              </a:rPr>
+              <a:t>Topic Modeling</a:t>
+            </a:r>
+            <a:r>
+              <a:rPr lang="fa-IR" sz="2400" cap="all" spc="-100" dirty="0">
+                <a:solidFill>
+                  <a:srgbClr val="FFFFFF"/>
+                </a:solidFill>
+                <a:cs typeface="B Nazanin" panose="00000400000000000000" pitchFamily="2" charset="-78"/>
+              </a:rPr>
+              <a:t> انجام شده در </a:t>
+            </a:r>
+            <a:r>
+              <a:rPr lang="en-US" sz="2400" cap="all" spc="-100" dirty="0">
+                <a:solidFill>
+                  <a:srgbClr val="FFFFFF"/>
+                </a:solidFill>
+                <a:cs typeface="B Nazanin" panose="00000400000000000000" pitchFamily="2" charset="-78"/>
+              </a:rPr>
+              <a:t>NMF</a:t>
+            </a:r>
+            <a:endParaRPr lang="fa-IR" sz="2400" cap="all" spc="-100" dirty="0">
+              <a:solidFill>
+                <a:srgbClr val="FFFFFF"/>
+              </a:solidFill>
+              <a:cs typeface="B Nazanin" panose="00000400000000000000" pitchFamily="2" charset="-78"/>
+            </a:endParaRPr>
+          </a:p>
+          <a:p>
+            <a:pPr algn="r" rtl="1">
+              <a:spcBef>
+                <a:spcPct val="0"/>
+              </a:spcBef>
+              <a:spcAft>
+                <a:spcPts val="600"/>
+              </a:spcAft>
+              <a:buClr>
+                <a:schemeClr val="tx1">
+                  <a:lumMod val="85000"/>
+                  <a:lumOff val="15000"/>
+                </a:schemeClr>
+              </a:buClr>
+            </a:pPr>
+            <a:r>
+              <a:rPr lang="fa-IR" sz="2400" cap="all" spc="-100" dirty="0">
+                <a:solidFill>
+                  <a:srgbClr val="FFFFFF"/>
+                </a:solidFill>
+                <a:cs typeface="B Nazanin" panose="00000400000000000000" pitchFamily="2" charset="-78"/>
+              </a:rPr>
+              <a:t>نتایج صفحه بعد</a:t>
+            </a:r>
+            <a:endParaRPr lang="en-US" sz="2400" cap="all" spc="-100" dirty="0">
+              <a:solidFill>
+                <a:srgbClr val="FFFFFF"/>
+              </a:solidFill>
+              <a:cs typeface="B Nazanin" panose="00000400000000000000" pitchFamily="2" charset="-78"/>
+            </a:endParaRPr>
+          </a:p>
+        </p:txBody>
+      </p:sp>
+    </p:spTree>
+    <p:extLst>
+      <p:ext uri="{BB962C8B-B14F-4D97-AF65-F5344CB8AC3E}">
+        <p14:creationId xmlns:p14="http://schemas.microsoft.com/office/powerpoint/2010/main" val="2726320654"/>
+      </p:ext>
+    </p:extLst>
+  </p:cSld>
+  <p:clrMapOvr>
+    <a:overrideClrMapping bg1="dk1" tx1="lt1" bg2="dk2" tx2="lt2" accent1="accent1" accent2="accent2" accent3="accent3" accent4="accent4" accent5="accent5" accent6="accent6" hlink="hlink" folHlink="folHlink"/>
+  </p:clrMapOvr>
+</p:sld>
+</file>
+
+<file path=ppt/slides/slide19.xml><?xml version="1.0" encoding="utf-8"?>
+<p:sld xmlns:a="http://schemas.openxmlformats.org/drawingml/2006/main" xmlns:r="http://schemas.openxmlformats.org/officeDocument/2006/relationships" xmlns:p="http://schemas.openxmlformats.org/presentationml/2006/main">
+  <p:cSld>
+    <p:bg>
+      <p:bgPr>
+        <a:blipFill rotWithShape="1">
+          <a:blip r:embed="rId2">
+            <a:duotone>
+              <a:schemeClr val="bg1">
+                <a:tint val="95000"/>
+              </a:schemeClr>
+              <a:schemeClr val="bg1">
+                <a:shade val="92000"/>
+                <a:satMod val="115000"/>
+              </a:schemeClr>
+            </a:duotone>
+          </a:blip>
+          <a:tile tx="0" ty="0" sx="60000" sy="60000" flip="none" algn="tl"/>
+        </a:blipFill>
+        <a:effectLst/>
+      </p:bgPr>
+    </p:bg>
+    <p:spTree>
+      <p:nvGrpSpPr>
+        <p:cNvPr id="1" name=""/>
+        <p:cNvGrpSpPr/>
+        <p:nvPr/>
+      </p:nvGrpSpPr>
+      <p:grpSpPr>
+        <a:xfrm>
+          <a:off x="0" y="0"/>
+          <a:ext cx="0" cy="0"/>
+          <a:chOff x="0" y="0"/>
+          <a:chExt cx="0" cy="0"/>
+        </a:xfrm>
+      </p:grpSpPr>
+      <p:sp useBgFill="1">
+        <p:nvSpPr>
+          <p:cNvPr id="1033" name="Rectangle 75">
+            <a:extLst>
+              <a:ext uri="{FF2B5EF4-FFF2-40B4-BE49-F238E27FC236}">
+                <a16:creationId xmlns:a16="http://schemas.microsoft.com/office/drawing/2014/main" id="{1E94681D-2A4C-4A8D-B9B5-31D440D0328D}"/>
+              </a:ext>
+              <a:ext uri="{C183D7F6-B498-43B3-948B-1728B52AA6E4}">
+                <adec:decorative xmlns:adec="http://schemas.microsoft.com/office/drawing/2017/decorative" val="1"/>
+              </a:ext>
+            </a:extLst>
+          </p:cNvPr>
+          <p:cNvSpPr>
+            <a:spLocks noGrp="1" noRot="1" noChangeAspect="1" noMove="1" noResize="1" noEditPoints="1" noAdjustHandles="1" noChangeArrowheads="1" noChangeShapeType="1" noTextEdit="1"/>
+          </p:cNvSpPr>
+          <p:nvPr>
+            <p:extLst>
+              <p:ext uri="{386F3935-93C4-4BCD-93E2-E3B085C9AB24}">
+                <p16:designElem xmlns:p16="http://schemas.microsoft.com/office/powerpoint/2015/main" val="1"/>
+              </p:ext>
+            </p:extLst>
+          </p:nvPr>
+        </p:nvSpPr>
+        <p:spPr>
+          <a:xfrm>
+            <a:off x="0" y="0"/>
+            <a:ext cx="12192000" cy="6858000"/>
+          </a:xfrm>
+          <a:prstGeom prst="rect">
+            <a:avLst/>
+          </a:prstGeom>
           <a:ln>
             <a:noFill/>
           </a:ln>
@@ -8793,22 +9198,30 @@
             <a:schemeClr val="lt1"/>
           </a:fontRef>
         </p:style>
-      </p:sp>
-      <p:grpSp>
-        <p:nvGrpSpPr>
-          <p:cNvPr id="96" name="Group 72">
-            <a:extLst>
-              <a:ext uri="{FF2B5EF4-FFF2-40B4-BE49-F238E27FC236}">
-                <a16:creationId xmlns:a16="http://schemas.microsoft.com/office/drawing/2014/main" id="{E26428D7-C6F3-473D-A360-A3F5C3E8728C}"/>
+        <p:txBody>
+          <a:bodyPr rtlCol="0" anchor="ctr"/>
+          <a:lstStyle/>
+          <a:p>
+            <a:pPr algn="ctr"/>
+            <a:endParaRPr lang="en-US"/>
+          </a:p>
+        </p:txBody>
+      </p:sp>
+      <p:sp>
+        <p:nvSpPr>
+          <p:cNvPr id="1034" name="Rectangle 77">
+            <a:extLst>
+              <a:ext uri="{FF2B5EF4-FFF2-40B4-BE49-F238E27FC236}">
+                <a16:creationId xmlns:a16="http://schemas.microsoft.com/office/drawing/2014/main" id="{4EC7E010-C712-408D-9787-0842AFC9F4BB}"/>
               </a:ext>
               <a:ext uri="{C183D7F6-B498-43B3-948B-1728B52AA6E4}">
                 <adec:decorative xmlns:adec="http://schemas.microsoft.com/office/drawing/2017/decorative" val="1"/>
               </a:ext>
             </a:extLst>
           </p:cNvPr>
-          <p:cNvGrpSpPr>
-            <a:grpSpLocks noGrp="1" noUngrp="1" noRot="1" noChangeAspect="1" noMove="1" noResize="1"/>
-          </p:cNvGrpSpPr>
+          <p:cNvSpPr>
+            <a:spLocks noGrp="1" noRot="1" noChangeAspect="1" noMove="1" noResize="1" noEditPoints="1" noAdjustHandles="1" noChangeArrowheads="1" noChangeShapeType="1" noTextEdit="1"/>
+          </p:cNvSpPr>
           <p:nvPr>
             <p:extLst>
               <p:ext uri="{386F3935-93C4-4BCD-93E2-E3B085C9AB24}">
@@ -8816,6 +9229,1181 @@
               </p:ext>
             </p:extLst>
           </p:nvPr>
+        </p:nvSpPr>
+        <p:spPr>
+          <a:xfrm>
+            <a:off x="234696" y="237744"/>
+            <a:ext cx="11722608" cy="6382512"/>
+          </a:xfrm>
+          <a:prstGeom prst="rect">
+            <a:avLst/>
+          </a:prstGeom>
+          <a:solidFill>
+            <a:schemeClr val="bg1">
+              <a:lumMod val="75000"/>
+              <a:alpha val="60000"/>
+            </a:schemeClr>
+          </a:solidFill>
+          <a:ln w="6350" cap="flat" cmpd="sng" algn="ctr">
+            <a:noFill/>
+            <a:prstDash val="solid"/>
+          </a:ln>
+          <a:effectLst>
+            <a:softEdge rad="0"/>
+          </a:effectLst>
+        </p:spPr>
+      </p:sp>
+      <p:sp>
+        <p:nvSpPr>
+          <p:cNvPr id="1035" name="Rectangle 79">
+            <a:extLst>
+              <a:ext uri="{FF2B5EF4-FFF2-40B4-BE49-F238E27FC236}">
+                <a16:creationId xmlns:a16="http://schemas.microsoft.com/office/drawing/2014/main" id="{0503FCEF-A9BA-4991-9220-E36615FB8B53}"/>
+              </a:ext>
+              <a:ext uri="{C183D7F6-B498-43B3-948B-1728B52AA6E4}">
+                <adec:decorative xmlns:adec="http://schemas.microsoft.com/office/drawing/2017/decorative" val="1"/>
+              </a:ext>
+            </a:extLst>
+          </p:cNvPr>
+          <p:cNvSpPr>
+            <a:spLocks noGrp="1" noRot="1" noChangeAspect="1" noMove="1" noResize="1" noEditPoints="1" noAdjustHandles="1" noChangeArrowheads="1" noChangeShapeType="1" noTextEdit="1"/>
+          </p:cNvSpPr>
+          <p:nvPr>
+            <p:extLst>
+              <p:ext uri="{386F3935-93C4-4BCD-93E2-E3B085C9AB24}">
+                <p16:designElem xmlns:p16="http://schemas.microsoft.com/office/powerpoint/2015/main" val="1"/>
+              </p:ext>
+            </p:extLst>
+          </p:nvPr>
+        </p:nvSpPr>
+        <p:spPr>
+          <a:xfrm>
+            <a:off x="371856" y="374904"/>
+            <a:ext cx="11448288" cy="6108192"/>
+          </a:xfrm>
+          <a:prstGeom prst="rect">
+            <a:avLst/>
+          </a:prstGeom>
+          <a:noFill/>
+          <a:ln w="6350" cap="sq" cmpd="sng" algn="ctr">
+            <a:solidFill>
+              <a:schemeClr val="tx1">
+                <a:lumMod val="85000"/>
+                <a:lumOff val="15000"/>
+              </a:schemeClr>
+            </a:solidFill>
+            <a:prstDash val="solid"/>
+            <a:miter lim="800000"/>
+          </a:ln>
+          <a:effectLst/>
+        </p:spPr>
+      </p:sp>
+      <p:sp useBgFill="1">
+        <p:nvSpPr>
+          <p:cNvPr id="1036" name="Rectangle 81">
+            <a:extLst>
+              <a:ext uri="{FF2B5EF4-FFF2-40B4-BE49-F238E27FC236}">
+                <a16:creationId xmlns:a16="http://schemas.microsoft.com/office/drawing/2014/main" id="{A069235B-22DB-4231-8291-D64DA2CDEB4E}"/>
+              </a:ext>
+              <a:ext uri="{C183D7F6-B498-43B3-948B-1728B52AA6E4}">
+                <adec:decorative xmlns:adec="http://schemas.microsoft.com/office/drawing/2017/decorative" val="1"/>
+              </a:ext>
+            </a:extLst>
+          </p:cNvPr>
+          <p:cNvSpPr>
+            <a:spLocks noGrp="1" noRot="1" noChangeAspect="1" noMove="1" noResize="1" noEditPoints="1" noAdjustHandles="1" noChangeArrowheads="1" noChangeShapeType="1" noTextEdit="1"/>
+          </p:cNvSpPr>
+          <p:nvPr>
+            <p:extLst>
+              <p:ext uri="{386F3935-93C4-4BCD-93E2-E3B085C9AB24}">
+                <p16:designElem xmlns:p16="http://schemas.microsoft.com/office/powerpoint/2015/main" val="1"/>
+              </p:ext>
+            </p:extLst>
+          </p:nvPr>
+        </p:nvSpPr>
+        <p:spPr>
+          <a:xfrm>
+            <a:off x="0" y="0"/>
+            <a:ext cx="12192000" cy="6858000"/>
+          </a:xfrm>
+          <a:prstGeom prst="rect">
+            <a:avLst/>
+          </a:prstGeom>
+          <a:ln>
+            <a:noFill/>
+          </a:ln>
+        </p:spPr>
+        <p:style>
+          <a:lnRef idx="2">
+            <a:schemeClr val="accent1">
+              <a:shade val="50000"/>
+            </a:schemeClr>
+          </a:lnRef>
+          <a:fillRef idx="1002">
+            <a:schemeClr val="lt2"/>
+          </a:fillRef>
+          <a:effectRef idx="0">
+            <a:schemeClr val="accent1"/>
+          </a:effectRef>
+          <a:fontRef idx="minor">
+            <a:schemeClr val="lt1"/>
+          </a:fontRef>
+        </p:style>
+        <p:txBody>
+          <a:bodyPr rtlCol="0" anchor="ctr"/>
+          <a:lstStyle/>
+          <a:p>
+            <a:pPr algn="ctr"/>
+            <a:endParaRPr lang="en-US"/>
+          </a:p>
+        </p:txBody>
+      </p:sp>
+      <p:sp>
+        <p:nvSpPr>
+          <p:cNvPr id="84" name="Rectangle 83">
+            <a:extLst>
+              <a:ext uri="{FF2B5EF4-FFF2-40B4-BE49-F238E27FC236}">
+                <a16:creationId xmlns:a16="http://schemas.microsoft.com/office/drawing/2014/main" id="{7AAE40DA-1F5A-4A1A-89CA-2BC620DCDB96}"/>
+              </a:ext>
+              <a:ext uri="{C183D7F6-B498-43B3-948B-1728B52AA6E4}">
+                <adec:decorative xmlns:adec="http://schemas.microsoft.com/office/drawing/2017/decorative" val="1"/>
+              </a:ext>
+            </a:extLst>
+          </p:cNvPr>
+          <p:cNvSpPr>
+            <a:spLocks noGrp="1" noRot="1" noChangeAspect="1" noMove="1" noResize="1" noEditPoints="1" noAdjustHandles="1" noChangeArrowheads="1" noChangeShapeType="1" noTextEdit="1"/>
+          </p:cNvSpPr>
+          <p:nvPr>
+            <p:extLst>
+              <p:ext uri="{386F3935-93C4-4BCD-93E2-E3B085C9AB24}">
+                <p16:designElem xmlns:p16="http://schemas.microsoft.com/office/powerpoint/2015/main" val="1"/>
+              </p:ext>
+            </p:extLst>
+          </p:nvPr>
+        </p:nvSpPr>
+        <p:spPr>
+          <a:xfrm>
+            <a:off x="477012" y="480060"/>
+            <a:ext cx="11237976" cy="5897880"/>
+          </a:xfrm>
+          <a:prstGeom prst="rect">
+            <a:avLst/>
+          </a:prstGeom>
+          <a:solidFill>
+            <a:schemeClr val="bg1"/>
+          </a:solidFill>
+          <a:ln w="6350" cap="flat" cmpd="sng" algn="ctr">
+            <a:noFill/>
+            <a:prstDash val="solid"/>
+          </a:ln>
+          <a:effectLst>
+            <a:outerShdw blurRad="50800" algn="ctr" rotWithShape="0">
+              <a:prstClr val="black">
+                <a:alpha val="66000"/>
+              </a:prstClr>
+            </a:outerShdw>
+            <a:softEdge rad="0"/>
+          </a:effectLst>
+        </p:spPr>
+        <p:txBody>
+          <a:bodyPr rtlCol="0" anchor="ctr"/>
+          <a:lstStyle/>
+          <a:p>
+            <a:pPr algn="ctr"/>
+            <a:endParaRPr lang="en-US"/>
+          </a:p>
+        </p:txBody>
+      </p:sp>
+      <p:pic>
+        <p:nvPicPr>
+          <p:cNvPr id="1026" name="Picture 2" descr="Graphical user interface, text&#10;&#10;Description automatically generated with medium confidence">
+            <a:extLst>
+              <a:ext uri="{FF2B5EF4-FFF2-40B4-BE49-F238E27FC236}">
+                <a16:creationId xmlns:a16="http://schemas.microsoft.com/office/drawing/2014/main" id="{119FEC4D-C723-4EBF-887C-299678BB9D0B}"/>
+              </a:ext>
+            </a:extLst>
+          </p:cNvPr>
+          <p:cNvPicPr>
+            <a:picLocks noChangeAspect="1" noChangeArrowheads="1"/>
+          </p:cNvPicPr>
+          <p:nvPr/>
+        </p:nvPicPr>
+        <p:blipFill>
+          <a:blip r:embed="rId3">
+            <a:extLst>
+              <a:ext uri="{28A0092B-C50C-407E-A947-70E740481C1C}">
+                <a14:useLocalDpi xmlns:a14="http://schemas.microsoft.com/office/drawing/2010/main" val="0"/>
+              </a:ext>
+            </a:extLst>
+          </a:blip>
+          <a:stretch>
+            <a:fillRect/>
+          </a:stretch>
+        </p:blipFill>
+        <p:spPr bwMode="auto">
+          <a:xfrm>
+            <a:off x="1416981" y="784108"/>
+            <a:ext cx="9358037" cy="5474451"/>
+          </a:xfrm>
+          <a:prstGeom prst="rect">
+            <a:avLst/>
+          </a:prstGeom>
+          <a:noFill/>
+          <a:extLst>
+            <a:ext uri="{909E8E84-426E-40DD-AFC4-6F175D3DCCD1}">
+              <a14:hiddenFill xmlns:a14="http://schemas.microsoft.com/office/drawing/2010/main">
+                <a:solidFill>
+                  <a:srgbClr val="FFFFFF"/>
+                </a:solidFill>
+              </a14:hiddenFill>
+            </a:ext>
+          </a:extLst>
+        </p:spPr>
+      </p:pic>
+    </p:spTree>
+    <p:extLst>
+      <p:ext uri="{BB962C8B-B14F-4D97-AF65-F5344CB8AC3E}">
+        <p14:creationId xmlns:p14="http://schemas.microsoft.com/office/powerpoint/2010/main" val="228764303"/>
+      </p:ext>
+    </p:extLst>
+  </p:cSld>
+  <p:clrMapOvr>
+    <a:overrideClrMapping bg1="lt1" tx1="dk1" bg2="lt2" tx2="dk2" accent1="accent1" accent2="accent2" accent3="accent3" accent4="accent4" accent5="accent5" accent6="accent6" hlink="hlink" folHlink="folHlink"/>
+  </p:clrMapOvr>
+</p:sld>
+</file>
+
+<file path=ppt/slides/slide2.xml><?xml version="1.0" encoding="utf-8"?>
+<p:sld xmlns:a="http://schemas.openxmlformats.org/drawingml/2006/main" xmlns:r="http://schemas.openxmlformats.org/officeDocument/2006/relationships" xmlns:p="http://schemas.openxmlformats.org/presentationml/2006/main">
+  <p:cSld>
+    <p:bg>
+      <p:bgPr>
+        <a:solidFill>
+          <a:schemeClr val="bg1"/>
+        </a:solidFill>
+        <a:effectLst/>
+      </p:bgPr>
+    </p:bg>
+    <p:spTree>
+      <p:nvGrpSpPr>
+        <p:cNvPr id="1" name=""/>
+        <p:cNvGrpSpPr/>
+        <p:nvPr/>
+      </p:nvGrpSpPr>
+      <p:grpSpPr>
+        <a:xfrm>
+          <a:off x="0" y="0"/>
+          <a:ext cx="0" cy="0"/>
+          <a:chOff x="0" y="0"/>
+          <a:chExt cx="0" cy="0"/>
+        </a:xfrm>
+      </p:grpSpPr>
+      <p:pic>
+        <p:nvPicPr>
+          <p:cNvPr id="4" name="Picture 3" descr="abstract image">
+            <a:extLst>
+              <a:ext uri="{FF2B5EF4-FFF2-40B4-BE49-F238E27FC236}">
+                <a16:creationId xmlns:a16="http://schemas.microsoft.com/office/drawing/2014/main" id="{5C002EE5-E4FF-463C-8DAA-9AC0B6D407FF}"/>
+              </a:ext>
+            </a:extLst>
+          </p:cNvPr>
+          <p:cNvPicPr>
+            <a:picLocks noChangeAspect="1"/>
+          </p:cNvPicPr>
+          <p:nvPr/>
+        </p:nvPicPr>
+        <p:blipFill rotWithShape="1">
+          <a:blip r:embed="rId2">
+            <a:extLst>
+              <a:ext uri="{28A0092B-C50C-407E-A947-70E740481C1C}">
+                <a14:useLocalDpi xmlns:a14="http://schemas.microsoft.com/office/drawing/2010/main" val="0"/>
+              </a:ext>
+            </a:extLst>
+          </a:blip>
+          <a:srcRect/>
+          <a:stretch/>
+        </p:blipFill>
+        <p:spPr>
+          <a:xfrm>
+            <a:off x="21" y="10"/>
+            <a:ext cx="12191979" cy="6857990"/>
+          </a:xfrm>
+          <a:prstGeom prst="rect">
+            <a:avLst/>
+          </a:prstGeom>
+        </p:spPr>
+      </p:pic>
+      <p:sp>
+        <p:nvSpPr>
+          <p:cNvPr id="29" name="Rectangle 22">
+            <a:extLst>
+              <a:ext uri="{FF2B5EF4-FFF2-40B4-BE49-F238E27FC236}">
+                <a16:creationId xmlns:a16="http://schemas.microsoft.com/office/drawing/2014/main" id="{F5380E9A-163E-4576-BCDD-0A450B7E9097}"/>
+              </a:ext>
+              <a:ext uri="{C183D7F6-B498-43B3-948B-1728B52AA6E4}">
+                <adec:decorative xmlns:adec="http://schemas.microsoft.com/office/drawing/2017/decorative" val="1"/>
+              </a:ext>
+            </a:extLst>
+          </p:cNvPr>
+          <p:cNvSpPr>
+            <a:spLocks noGrp="1" noRot="1" noChangeAspect="1" noMove="1" noResize="1" noEditPoints="1" noAdjustHandles="1" noChangeArrowheads="1" noChangeShapeType="1" noTextEdit="1"/>
+          </p:cNvSpPr>
+          <p:nvPr>
+            <p:extLst>
+              <p:ext uri="{386F3935-93C4-4BCD-93E2-E3B085C9AB24}">
+                <p16:designElem xmlns:p16="http://schemas.microsoft.com/office/powerpoint/2015/main" val="1"/>
+              </p:ext>
+            </p:extLst>
+          </p:nvPr>
+        </p:nvSpPr>
+        <p:spPr>
+          <a:xfrm>
+            <a:off x="4279943" y="237744"/>
+            <a:ext cx="7652977" cy="6382512"/>
+          </a:xfrm>
+          <a:prstGeom prst="rect">
+            <a:avLst/>
+          </a:prstGeom>
+          <a:solidFill>
+            <a:schemeClr val="bg1">
+              <a:alpha val="94000"/>
+            </a:schemeClr>
+          </a:solidFill>
+          <a:ln>
+            <a:noFill/>
+          </a:ln>
+        </p:spPr>
+        <p:style>
+          <a:lnRef idx="2">
+            <a:schemeClr val="accent1">
+              <a:shade val="50000"/>
+            </a:schemeClr>
+          </a:lnRef>
+          <a:fillRef idx="1">
+            <a:schemeClr val="accent1"/>
+          </a:fillRef>
+          <a:effectRef idx="0">
+            <a:schemeClr val="accent1"/>
+          </a:effectRef>
+          <a:fontRef idx="minor">
+            <a:schemeClr val="lt1"/>
+          </a:fontRef>
+        </p:style>
+      </p:sp>
+      <p:sp>
+        <p:nvSpPr>
+          <p:cNvPr id="30" name="Rectangle 24">
+            <a:extLst>
+              <a:ext uri="{FF2B5EF4-FFF2-40B4-BE49-F238E27FC236}">
+                <a16:creationId xmlns:a16="http://schemas.microsoft.com/office/drawing/2014/main" id="{88DDEF77-9746-4D83-91F9-442A2487E666}"/>
+              </a:ext>
+              <a:ext uri="{C183D7F6-B498-43B3-948B-1728B52AA6E4}">
+                <adec:decorative xmlns:adec="http://schemas.microsoft.com/office/drawing/2017/decorative" val="1"/>
+              </a:ext>
+            </a:extLst>
+          </p:cNvPr>
+          <p:cNvSpPr>
+            <a:spLocks noGrp="1" noRot="1" noChangeAspect="1" noMove="1" noResize="1" noEditPoints="1" noAdjustHandles="1" noChangeArrowheads="1" noChangeShapeType="1" noTextEdit="1"/>
+          </p:cNvSpPr>
+          <p:nvPr>
+            <p:extLst>
+              <p:ext uri="{386F3935-93C4-4BCD-93E2-E3B085C9AB24}">
+                <p16:designElem xmlns:p16="http://schemas.microsoft.com/office/powerpoint/2015/main" val="1"/>
+              </p:ext>
+            </p:extLst>
+          </p:nvPr>
+        </p:nvSpPr>
+        <p:spPr>
+          <a:xfrm>
+            <a:off x="4417103" y="374904"/>
+            <a:ext cx="7340156" cy="6108192"/>
+          </a:xfrm>
+          <a:prstGeom prst="rect">
+            <a:avLst/>
+          </a:prstGeom>
+          <a:noFill/>
+          <a:ln w="6350" cap="sq">
+            <a:solidFill>
+              <a:schemeClr val="tx1">
+                <a:lumMod val="65000"/>
+                <a:lumOff val="35000"/>
+              </a:schemeClr>
+            </a:solidFill>
+            <a:miter lim="800000"/>
+          </a:ln>
+        </p:spPr>
+        <p:style>
+          <a:lnRef idx="2">
+            <a:schemeClr val="accent1">
+              <a:shade val="50000"/>
+            </a:schemeClr>
+          </a:lnRef>
+          <a:fillRef idx="1">
+            <a:schemeClr val="accent1"/>
+          </a:fillRef>
+          <a:effectRef idx="0">
+            <a:schemeClr val="accent1"/>
+          </a:effectRef>
+          <a:fontRef idx="minor">
+            <a:schemeClr val="lt1"/>
+          </a:fontRef>
+        </p:style>
+      </p:sp>
+      <p:sp>
+        <p:nvSpPr>
+          <p:cNvPr id="2" name="Title 1">
+            <a:extLst>
+              <a:ext uri="{FF2B5EF4-FFF2-40B4-BE49-F238E27FC236}">
+                <a16:creationId xmlns:a16="http://schemas.microsoft.com/office/drawing/2014/main" id="{92C9295F-E638-4F61-AFE2-CF3E40556031}"/>
+              </a:ext>
+            </a:extLst>
+          </p:cNvPr>
+          <p:cNvSpPr>
+            <a:spLocks noGrp="1"/>
+          </p:cNvSpPr>
+          <p:nvPr>
+            <p:ph type="title"/>
+          </p:nvPr>
+        </p:nvSpPr>
+        <p:spPr>
+          <a:xfrm>
+            <a:off x="4828581" y="1682496"/>
+            <a:ext cx="6718433" cy="1746504"/>
+          </a:xfrm>
+        </p:spPr>
+        <p:txBody>
+          <a:bodyPr>
+            <a:normAutofit/>
+          </a:bodyPr>
+          <a:lstStyle/>
+          <a:p>
+            <a:pPr algn="r" rtl="1"/>
+            <a:r>
+              <a:rPr lang="fa-IR" dirty="0">
+                <a:solidFill>
+                  <a:schemeClr val="tx1">
+                    <a:lumMod val="75000"/>
+                    <a:lumOff val="25000"/>
+                  </a:schemeClr>
+                </a:solidFill>
+                <a:cs typeface="B Nazanin" panose="00000400000000000000" pitchFamily="2" charset="-78"/>
+              </a:rPr>
+              <a:t>درباره‌ی متن</a:t>
+            </a:r>
+            <a:endParaRPr lang="en-US" dirty="0">
+              <a:solidFill>
+                <a:schemeClr val="tx1">
+                  <a:lumMod val="75000"/>
+                  <a:lumOff val="25000"/>
+                </a:schemeClr>
+              </a:solidFill>
+              <a:cs typeface="2  Tabassom" panose="00000400000000000000" pitchFamily="2" charset="-78"/>
+            </a:endParaRPr>
+          </a:p>
+        </p:txBody>
+      </p:sp>
+      <p:sp>
+        <p:nvSpPr>
+          <p:cNvPr id="3" name="TextBox 2">
+            <a:extLst>
+              <a:ext uri="{FF2B5EF4-FFF2-40B4-BE49-F238E27FC236}">
+                <a16:creationId xmlns:a16="http://schemas.microsoft.com/office/drawing/2014/main" id="{F1593792-9169-4003-B733-0188FE23B69A}"/>
+              </a:ext>
+            </a:extLst>
+          </p:cNvPr>
+          <p:cNvSpPr txBox="1"/>
+          <p:nvPr/>
+        </p:nvSpPr>
+        <p:spPr>
+          <a:xfrm>
+            <a:off x="5108895" y="3345110"/>
+            <a:ext cx="5242942" cy="2031325"/>
+          </a:xfrm>
+          <a:prstGeom prst="rect">
+            <a:avLst/>
+          </a:prstGeom>
+          <a:noFill/>
+        </p:spPr>
+        <p:txBody>
+          <a:bodyPr wrap="square" rtlCol="0">
+            <a:spAutoFit/>
+          </a:bodyPr>
+          <a:lstStyle/>
+          <a:p>
+            <a:pPr algn="justLow" rtl="1"/>
+            <a:r>
+              <a:rPr lang="fa-IR" b="0" i="0" dirty="0">
+                <a:solidFill>
+                  <a:srgbClr val="333333"/>
+                </a:solidFill>
+                <a:effectLst/>
+                <a:latin typeface="iranyekan"/>
+                <a:cs typeface="B Nazanin" panose="00000400000000000000" pitchFamily="2" charset="-78"/>
+              </a:rPr>
+              <a:t>مثنوی معنوی یکی از مهم‌ترین آثار عرفانی و ادبی قرن هفتم هجری شمسی است که  برخی به آن لقب مصحف ثانی داده‌اند. گویی مثنوی قرآن دوم ماست. عبدالرحمن </a:t>
+            </a:r>
+            <a:r>
+              <a:rPr lang="fa-IR" b="0" i="0" u="none" strike="noStrike" dirty="0">
+                <a:solidFill>
+                  <a:srgbClr val="5D5D5D"/>
+                </a:solidFill>
+                <a:effectLst/>
+                <a:latin typeface="iranyekan"/>
+                <a:cs typeface="B Nazanin" panose="00000400000000000000" pitchFamily="2" charset="-78"/>
+                <a:hlinkClick r:id="rId3"/>
+              </a:rPr>
+              <a:t>جامی </a:t>
+            </a:r>
+            <a:r>
+              <a:rPr lang="fa-IR" b="0" i="0" dirty="0">
+                <a:solidFill>
+                  <a:srgbClr val="333333"/>
+                </a:solidFill>
+                <a:effectLst/>
+                <a:latin typeface="iranyekan"/>
+                <a:cs typeface="B Nazanin" panose="00000400000000000000" pitchFamily="2" charset="-78"/>
+              </a:rPr>
+              <a:t>در توصیف این اثر عرفانی ارزشمند  آن را قرآن در زبان فارسی نامیده و جلال‌الدین همایی شاعر و نویسنده معاصر ایرانی نیز آن را هم‌ سروده‌های گاتا و عهد جدید دانسته است. بسیاری از اهل طریقت، مثنوی معنوی را کتابی برای دستیابی به حقیقت می‌دانند.</a:t>
+            </a:r>
+            <a:endParaRPr lang="en-US" dirty="0">
+              <a:cs typeface="B Nazanin" panose="00000400000000000000" pitchFamily="2" charset="-78"/>
+            </a:endParaRPr>
+          </a:p>
+        </p:txBody>
+      </p:sp>
+    </p:spTree>
+    <p:extLst>
+      <p:ext uri="{BB962C8B-B14F-4D97-AF65-F5344CB8AC3E}">
+        <p14:creationId xmlns:p14="http://schemas.microsoft.com/office/powerpoint/2010/main" val="121601030"/>
+      </p:ext>
+    </p:extLst>
+  </p:cSld>
+  <p:clrMapOvr>
+    <a:overrideClrMapping bg1="lt1" tx1="dk1" bg2="lt2" tx2="dk2" accent1="accent1" accent2="accent2" accent3="accent3" accent4="accent4" accent5="accent5" accent6="accent6" hlink="hlink" folHlink="folHlink"/>
+  </p:clrMapOvr>
+</p:sld>
+</file>
+
+<file path=ppt/slides/slide20.xml><?xml version="1.0" encoding="utf-8"?>
+<p:sld xmlns:a="http://schemas.openxmlformats.org/drawingml/2006/main" xmlns:r="http://schemas.openxmlformats.org/officeDocument/2006/relationships" xmlns:p="http://schemas.openxmlformats.org/presentationml/2006/main">
+  <p:cSld>
+    <p:bg>
+      <p:bgPr>
+        <a:blipFill rotWithShape="1">
+          <a:blip r:embed="rId2">
+            <a:duotone>
+              <a:schemeClr val="bg1">
+                <a:tint val="95000"/>
+              </a:schemeClr>
+              <a:schemeClr val="bg1">
+                <a:shade val="92000"/>
+                <a:satMod val="115000"/>
+              </a:schemeClr>
+            </a:duotone>
+          </a:blip>
+          <a:tile tx="0" ty="0" sx="60000" sy="60000" flip="none" algn="tl"/>
+        </a:blipFill>
+        <a:effectLst/>
+      </p:bgPr>
+    </p:bg>
+    <p:spTree>
+      <p:nvGrpSpPr>
+        <p:cNvPr id="1" name=""/>
+        <p:cNvGrpSpPr/>
+        <p:nvPr/>
+      </p:nvGrpSpPr>
+      <p:grpSpPr>
+        <a:xfrm>
+          <a:off x="0" y="0"/>
+          <a:ext cx="0" cy="0"/>
+          <a:chOff x="0" y="0"/>
+          <a:chExt cx="0" cy="0"/>
+        </a:xfrm>
+      </p:grpSpPr>
+      <p:sp useBgFill="1">
+        <p:nvSpPr>
+          <p:cNvPr id="135" name="Rectangle 134">
+            <a:extLst>
+              <a:ext uri="{FF2B5EF4-FFF2-40B4-BE49-F238E27FC236}">
+                <a16:creationId xmlns:a16="http://schemas.microsoft.com/office/drawing/2014/main" id="{1E94681D-2A4C-4A8D-B9B5-31D440D0328D}"/>
+              </a:ext>
+              <a:ext uri="{C183D7F6-B498-43B3-948B-1728B52AA6E4}">
+                <adec:decorative xmlns:adec="http://schemas.microsoft.com/office/drawing/2017/decorative" val="1"/>
+              </a:ext>
+            </a:extLst>
+          </p:cNvPr>
+          <p:cNvSpPr>
+            <a:spLocks noGrp="1" noRot="1" noChangeAspect="1" noMove="1" noResize="1" noEditPoints="1" noAdjustHandles="1" noChangeArrowheads="1" noChangeShapeType="1" noTextEdit="1"/>
+          </p:cNvSpPr>
+          <p:nvPr>
+            <p:extLst>
+              <p:ext uri="{386F3935-93C4-4BCD-93E2-E3B085C9AB24}">
+                <p16:designElem xmlns:p16="http://schemas.microsoft.com/office/powerpoint/2015/main" val="1"/>
+              </p:ext>
+            </p:extLst>
+          </p:nvPr>
+        </p:nvSpPr>
+        <p:spPr>
+          <a:xfrm>
+            <a:off x="0" y="0"/>
+            <a:ext cx="12192000" cy="6858000"/>
+          </a:xfrm>
+          <a:prstGeom prst="rect">
+            <a:avLst/>
+          </a:prstGeom>
+          <a:ln>
+            <a:noFill/>
+          </a:ln>
+        </p:spPr>
+        <p:style>
+          <a:lnRef idx="2">
+            <a:schemeClr val="accent1">
+              <a:shade val="50000"/>
+            </a:schemeClr>
+          </a:lnRef>
+          <a:fillRef idx="1">
+            <a:schemeClr val="accent1"/>
+          </a:fillRef>
+          <a:effectRef idx="0">
+            <a:schemeClr val="accent1"/>
+          </a:effectRef>
+          <a:fontRef idx="minor">
+            <a:schemeClr val="lt1"/>
+          </a:fontRef>
+        </p:style>
+        <p:txBody>
+          <a:bodyPr rtlCol="0" anchor="ctr"/>
+          <a:lstStyle/>
+          <a:p>
+            <a:pPr algn="ctr"/>
+            <a:endParaRPr lang="en-US"/>
+          </a:p>
+        </p:txBody>
+      </p:sp>
+      <p:sp>
+        <p:nvSpPr>
+          <p:cNvPr id="137" name="Rectangle 136">
+            <a:extLst>
+              <a:ext uri="{FF2B5EF4-FFF2-40B4-BE49-F238E27FC236}">
+                <a16:creationId xmlns:a16="http://schemas.microsoft.com/office/drawing/2014/main" id="{4EC7E010-C712-408D-9787-0842AFC9F4BB}"/>
+              </a:ext>
+              <a:ext uri="{C183D7F6-B498-43B3-948B-1728B52AA6E4}">
+                <adec:decorative xmlns:adec="http://schemas.microsoft.com/office/drawing/2017/decorative" val="1"/>
+              </a:ext>
+            </a:extLst>
+          </p:cNvPr>
+          <p:cNvSpPr>
+            <a:spLocks noGrp="1" noRot="1" noChangeAspect="1" noMove="1" noResize="1" noEditPoints="1" noAdjustHandles="1" noChangeArrowheads="1" noChangeShapeType="1" noTextEdit="1"/>
+          </p:cNvSpPr>
+          <p:nvPr>
+            <p:extLst>
+              <p:ext uri="{386F3935-93C4-4BCD-93E2-E3B085C9AB24}">
+                <p16:designElem xmlns:p16="http://schemas.microsoft.com/office/powerpoint/2015/main" val="1"/>
+              </p:ext>
+            </p:extLst>
+          </p:nvPr>
+        </p:nvSpPr>
+        <p:spPr>
+          <a:xfrm>
+            <a:off x="234696" y="237744"/>
+            <a:ext cx="11722608" cy="6382512"/>
+          </a:xfrm>
+          <a:prstGeom prst="rect">
+            <a:avLst/>
+          </a:prstGeom>
+          <a:solidFill>
+            <a:schemeClr val="bg1">
+              <a:lumMod val="75000"/>
+              <a:alpha val="60000"/>
+            </a:schemeClr>
+          </a:solidFill>
+          <a:ln w="6350" cap="flat" cmpd="sng" algn="ctr">
+            <a:noFill/>
+            <a:prstDash val="solid"/>
+          </a:ln>
+          <a:effectLst>
+            <a:softEdge rad="0"/>
+          </a:effectLst>
+        </p:spPr>
+      </p:sp>
+      <p:sp>
+        <p:nvSpPr>
+          <p:cNvPr id="139" name="Rectangle 138">
+            <a:extLst>
+              <a:ext uri="{FF2B5EF4-FFF2-40B4-BE49-F238E27FC236}">
+                <a16:creationId xmlns:a16="http://schemas.microsoft.com/office/drawing/2014/main" id="{0503FCEF-A9BA-4991-9220-E36615FB8B53}"/>
+              </a:ext>
+              <a:ext uri="{C183D7F6-B498-43B3-948B-1728B52AA6E4}">
+                <adec:decorative xmlns:adec="http://schemas.microsoft.com/office/drawing/2017/decorative" val="1"/>
+              </a:ext>
+            </a:extLst>
+          </p:cNvPr>
+          <p:cNvSpPr>
+            <a:spLocks noGrp="1" noRot="1" noChangeAspect="1" noMove="1" noResize="1" noEditPoints="1" noAdjustHandles="1" noChangeArrowheads="1" noChangeShapeType="1" noTextEdit="1"/>
+          </p:cNvSpPr>
+          <p:nvPr>
+            <p:extLst>
+              <p:ext uri="{386F3935-93C4-4BCD-93E2-E3B085C9AB24}">
+                <p16:designElem xmlns:p16="http://schemas.microsoft.com/office/powerpoint/2015/main" val="1"/>
+              </p:ext>
+            </p:extLst>
+          </p:nvPr>
+        </p:nvSpPr>
+        <p:spPr>
+          <a:xfrm>
+            <a:off x="371856" y="374904"/>
+            <a:ext cx="11448288" cy="6108192"/>
+          </a:xfrm>
+          <a:prstGeom prst="rect">
+            <a:avLst/>
+          </a:prstGeom>
+          <a:noFill/>
+          <a:ln w="6350" cap="sq" cmpd="sng" algn="ctr">
+            <a:solidFill>
+              <a:schemeClr val="tx1">
+                <a:lumMod val="85000"/>
+                <a:lumOff val="15000"/>
+              </a:schemeClr>
+            </a:solidFill>
+            <a:prstDash val="solid"/>
+            <a:miter lim="800000"/>
+          </a:ln>
+          <a:effectLst/>
+        </p:spPr>
+      </p:sp>
+      <p:sp useBgFill="1">
+        <p:nvSpPr>
+          <p:cNvPr id="141" name="Rectangle 140">
+            <a:extLst>
+              <a:ext uri="{FF2B5EF4-FFF2-40B4-BE49-F238E27FC236}">
+                <a16:creationId xmlns:a16="http://schemas.microsoft.com/office/drawing/2014/main" id="{A069235B-22DB-4231-8291-D64DA2CDEB4E}"/>
+              </a:ext>
+              <a:ext uri="{C183D7F6-B498-43B3-948B-1728B52AA6E4}">
+                <adec:decorative xmlns:adec="http://schemas.microsoft.com/office/drawing/2017/decorative" val="1"/>
+              </a:ext>
+            </a:extLst>
+          </p:cNvPr>
+          <p:cNvSpPr>
+            <a:spLocks noGrp="1" noRot="1" noChangeAspect="1" noMove="1" noResize="1" noEditPoints="1" noAdjustHandles="1" noChangeArrowheads="1" noChangeShapeType="1" noTextEdit="1"/>
+          </p:cNvSpPr>
+          <p:nvPr>
+            <p:extLst>
+              <p:ext uri="{386F3935-93C4-4BCD-93E2-E3B085C9AB24}">
+                <p16:designElem xmlns:p16="http://schemas.microsoft.com/office/powerpoint/2015/main" val="1"/>
+              </p:ext>
+            </p:extLst>
+          </p:nvPr>
+        </p:nvSpPr>
+        <p:spPr>
+          <a:xfrm>
+            <a:off x="0" y="0"/>
+            <a:ext cx="12192000" cy="6858000"/>
+          </a:xfrm>
+          <a:prstGeom prst="rect">
+            <a:avLst/>
+          </a:prstGeom>
+          <a:ln>
+            <a:noFill/>
+          </a:ln>
+        </p:spPr>
+        <p:style>
+          <a:lnRef idx="2">
+            <a:schemeClr val="accent1">
+              <a:shade val="50000"/>
+            </a:schemeClr>
+          </a:lnRef>
+          <a:fillRef idx="1002">
+            <a:schemeClr val="lt2"/>
+          </a:fillRef>
+          <a:effectRef idx="0">
+            <a:schemeClr val="accent1"/>
+          </a:effectRef>
+          <a:fontRef idx="minor">
+            <a:schemeClr val="lt1"/>
+          </a:fontRef>
+        </p:style>
+        <p:txBody>
+          <a:bodyPr rtlCol="0" anchor="ctr"/>
+          <a:lstStyle/>
+          <a:p>
+            <a:pPr algn="ctr"/>
+            <a:endParaRPr lang="en-US"/>
+          </a:p>
+        </p:txBody>
+      </p:sp>
+      <p:sp>
+        <p:nvSpPr>
+          <p:cNvPr id="143" name="Rectangle 142">
+            <a:extLst>
+              <a:ext uri="{FF2B5EF4-FFF2-40B4-BE49-F238E27FC236}">
+                <a16:creationId xmlns:a16="http://schemas.microsoft.com/office/drawing/2014/main" id="{7AAE40DA-1F5A-4A1A-89CA-2BC620DCDB96}"/>
+              </a:ext>
+              <a:ext uri="{C183D7F6-B498-43B3-948B-1728B52AA6E4}">
+                <adec:decorative xmlns:adec="http://schemas.microsoft.com/office/drawing/2017/decorative" val="1"/>
+              </a:ext>
+            </a:extLst>
+          </p:cNvPr>
+          <p:cNvSpPr>
+            <a:spLocks noGrp="1" noRot="1" noChangeAspect="1" noMove="1" noResize="1" noEditPoints="1" noAdjustHandles="1" noChangeArrowheads="1" noChangeShapeType="1" noTextEdit="1"/>
+          </p:cNvSpPr>
+          <p:nvPr>
+            <p:extLst>
+              <p:ext uri="{386F3935-93C4-4BCD-93E2-E3B085C9AB24}">
+                <p16:designElem xmlns:p16="http://schemas.microsoft.com/office/powerpoint/2015/main" val="1"/>
+              </p:ext>
+            </p:extLst>
+          </p:nvPr>
+        </p:nvSpPr>
+        <p:spPr>
+          <a:xfrm>
+            <a:off x="477012" y="480060"/>
+            <a:ext cx="11237976" cy="5897880"/>
+          </a:xfrm>
+          <a:prstGeom prst="rect">
+            <a:avLst/>
+          </a:prstGeom>
+          <a:solidFill>
+            <a:schemeClr val="bg1"/>
+          </a:solidFill>
+          <a:ln w="6350" cap="flat" cmpd="sng" algn="ctr">
+            <a:noFill/>
+            <a:prstDash val="solid"/>
+          </a:ln>
+          <a:effectLst>
+            <a:outerShdw blurRad="50800" algn="ctr" rotWithShape="0">
+              <a:prstClr val="black">
+                <a:alpha val="66000"/>
+              </a:prstClr>
+            </a:outerShdw>
+            <a:softEdge rad="0"/>
+          </a:effectLst>
+        </p:spPr>
+        <p:txBody>
+          <a:bodyPr rtlCol="0" anchor="ctr"/>
+          <a:lstStyle/>
+          <a:p>
+            <a:pPr algn="ctr"/>
+            <a:endParaRPr lang="en-US"/>
+          </a:p>
+        </p:txBody>
+      </p:sp>
+      <p:pic>
+        <p:nvPicPr>
+          <p:cNvPr id="2050" name="Picture 2">
+            <a:extLst>
+              <a:ext uri="{FF2B5EF4-FFF2-40B4-BE49-F238E27FC236}">
+                <a16:creationId xmlns:a16="http://schemas.microsoft.com/office/drawing/2014/main" id="{0D0BB9DB-A301-4842-A792-2010A4D52D0F}"/>
+              </a:ext>
+            </a:extLst>
+          </p:cNvPr>
+          <p:cNvPicPr>
+            <a:picLocks noChangeAspect="1" noChangeArrowheads="1"/>
+          </p:cNvPicPr>
+          <p:nvPr/>
+        </p:nvPicPr>
+        <p:blipFill>
+          <a:blip r:embed="rId3">
+            <a:extLst>
+              <a:ext uri="{28A0092B-C50C-407E-A947-70E740481C1C}">
+                <a14:useLocalDpi xmlns:a14="http://schemas.microsoft.com/office/drawing/2010/main" val="0"/>
+              </a:ext>
+            </a:extLst>
+          </a:blip>
+          <a:stretch>
+            <a:fillRect/>
+          </a:stretch>
+        </p:blipFill>
+        <p:spPr bwMode="auto">
+          <a:xfrm>
+            <a:off x="1532115" y="747718"/>
+            <a:ext cx="9127769" cy="5362564"/>
+          </a:xfrm>
+          <a:prstGeom prst="rect">
+            <a:avLst/>
+          </a:prstGeom>
+          <a:noFill/>
+          <a:extLst>
+            <a:ext uri="{909E8E84-426E-40DD-AFC4-6F175D3DCCD1}">
+              <a14:hiddenFill xmlns:a14="http://schemas.microsoft.com/office/drawing/2010/main">
+                <a:solidFill>
+                  <a:srgbClr val="FFFFFF"/>
+                </a:solidFill>
+              </a14:hiddenFill>
+            </a:ext>
+          </a:extLst>
+        </p:spPr>
+      </p:pic>
+    </p:spTree>
+    <p:extLst>
+      <p:ext uri="{BB962C8B-B14F-4D97-AF65-F5344CB8AC3E}">
+        <p14:creationId xmlns:p14="http://schemas.microsoft.com/office/powerpoint/2010/main" val="3066390291"/>
+      </p:ext>
+    </p:extLst>
+  </p:cSld>
+  <p:clrMapOvr>
+    <a:overrideClrMapping bg1="lt1" tx1="dk1" bg2="lt2" tx2="dk2" accent1="accent1" accent2="accent2" accent3="accent3" accent4="accent4" accent5="accent5" accent6="accent6" hlink="hlink" folHlink="folHlink"/>
+  </p:clrMapOvr>
+</p:sld>
+</file>
+
+<file path=ppt/slides/slide21.xml><?xml version="1.0" encoding="utf-8"?>
+<p:sld xmlns:a="http://schemas.openxmlformats.org/drawingml/2006/main" xmlns:r="http://schemas.openxmlformats.org/officeDocument/2006/relationships" xmlns:p="http://schemas.openxmlformats.org/presentationml/2006/main">
+  <p:cSld>
+    <p:bg>
+      <p:bgPr>
+        <a:solidFill>
+          <a:schemeClr val="bg1"/>
+        </a:solidFill>
+        <a:effectLst/>
+      </p:bgPr>
+    </p:bg>
+    <p:spTree>
+      <p:nvGrpSpPr>
+        <p:cNvPr id="1" name=""/>
+        <p:cNvGrpSpPr/>
+        <p:nvPr/>
+      </p:nvGrpSpPr>
+      <p:grpSpPr>
+        <a:xfrm>
+          <a:off x="0" y="0"/>
+          <a:ext cx="0" cy="0"/>
+          <a:chOff x="0" y="0"/>
+          <a:chExt cx="0" cy="0"/>
+        </a:xfrm>
+      </p:grpSpPr>
+      <p:sp>
+        <p:nvSpPr>
+          <p:cNvPr id="106" name="Rectangle 105">
+            <a:extLst>
+              <a:ext uri="{FF2B5EF4-FFF2-40B4-BE49-F238E27FC236}">
+                <a16:creationId xmlns:a16="http://schemas.microsoft.com/office/drawing/2014/main" id="{904DB13E-F722-4ED6-BB00-556651E95281}"/>
+              </a:ext>
+              <a:ext uri="{C183D7F6-B498-43B3-948B-1728B52AA6E4}">
+                <adec:decorative xmlns:adec="http://schemas.microsoft.com/office/drawing/2017/decorative" val="1"/>
+              </a:ext>
+            </a:extLst>
+          </p:cNvPr>
+          <p:cNvSpPr>
+            <a:spLocks noGrp="1" noRot="1" noChangeAspect="1" noMove="1" noResize="1" noEditPoints="1" noAdjustHandles="1" noChangeArrowheads="1" noChangeShapeType="1" noTextEdit="1"/>
+          </p:cNvSpPr>
+          <p:nvPr>
+            <p:extLst>
+              <p:ext uri="{386F3935-93C4-4BCD-93E2-E3B085C9AB24}">
+                <p16:designElem xmlns:p16="http://schemas.microsoft.com/office/powerpoint/2015/main" val="1"/>
+              </p:ext>
+            </p:extLst>
+          </p:nvPr>
+        </p:nvSpPr>
+        <p:spPr>
+          <a:xfrm>
+            <a:off x="0" y="0"/>
+            <a:ext cx="12192000" cy="6858000"/>
+          </a:xfrm>
+          <a:prstGeom prst="rect">
+            <a:avLst/>
+          </a:prstGeom>
+          <a:solidFill>
+            <a:schemeClr val="tx1">
+              <a:lumMod val="65000"/>
+              <a:lumOff val="35000"/>
+            </a:schemeClr>
+          </a:solidFill>
+          <a:ln>
+            <a:noFill/>
+          </a:ln>
+        </p:spPr>
+        <p:style>
+          <a:lnRef idx="2">
+            <a:schemeClr val="accent1">
+              <a:shade val="50000"/>
+            </a:schemeClr>
+          </a:lnRef>
+          <a:fillRef idx="1">
+            <a:schemeClr val="accent1"/>
+          </a:fillRef>
+          <a:effectRef idx="0">
+            <a:schemeClr val="accent1"/>
+          </a:effectRef>
+          <a:fontRef idx="minor">
+            <a:schemeClr val="lt1"/>
+          </a:fontRef>
+        </p:style>
+        <p:txBody>
+          <a:bodyPr rtlCol="0" anchor="ctr"/>
+          <a:lstStyle/>
+          <a:p>
+            <a:pPr algn="ctr"/>
+            <a:endParaRPr lang="en-US"/>
+          </a:p>
+        </p:txBody>
+      </p:sp>
+      <p:sp useBgFill="1">
+        <p:nvSpPr>
+          <p:cNvPr id="108" name="Rectangle 107">
+            <a:extLst>
+              <a:ext uri="{FF2B5EF4-FFF2-40B4-BE49-F238E27FC236}">
+                <a16:creationId xmlns:a16="http://schemas.microsoft.com/office/drawing/2014/main" id="{66A413F7-FFE1-42E7-8C6C-E9CCC477F811}"/>
+              </a:ext>
+              <a:ext uri="{C183D7F6-B498-43B3-948B-1728B52AA6E4}">
+                <adec:decorative xmlns:adec="http://schemas.microsoft.com/office/drawing/2017/decorative" val="1"/>
+              </a:ext>
+            </a:extLst>
+          </p:cNvPr>
+          <p:cNvSpPr>
+            <a:spLocks noGrp="1" noRot="1" noChangeAspect="1" noMove="1" noResize="1" noEditPoints="1" noAdjustHandles="1" noChangeArrowheads="1" noChangeShapeType="1" noTextEdit="1"/>
+          </p:cNvSpPr>
+          <p:nvPr>
+            <p:extLst>
+              <p:ext uri="{386F3935-93C4-4BCD-93E2-E3B085C9AB24}">
+                <p16:designElem xmlns:p16="http://schemas.microsoft.com/office/powerpoint/2015/main" val="1"/>
+              </p:ext>
+            </p:extLst>
+          </p:nvPr>
+        </p:nvSpPr>
+        <p:spPr>
+          <a:xfrm>
+            <a:off x="1307870" y="1267730"/>
+            <a:ext cx="9576262" cy="4307950"/>
+          </a:xfrm>
+          <a:prstGeom prst="rect">
+            <a:avLst/>
+          </a:prstGeom>
+          <a:ln w="6350" cap="flat" cmpd="sng" algn="ctr">
+            <a:noFill/>
+            <a:prstDash val="solid"/>
+          </a:ln>
+          <a:effectLst>
+            <a:outerShdw blurRad="50800" algn="ctr" rotWithShape="0">
+              <a:prstClr val="black">
+                <a:alpha val="66000"/>
+              </a:prstClr>
+            </a:outerShdw>
+            <a:softEdge rad="0"/>
+          </a:effectLst>
+        </p:spPr>
+      </p:sp>
+      <p:sp>
+        <p:nvSpPr>
+          <p:cNvPr id="110" name="Rectangle 109">
+            <a:extLst>
+              <a:ext uri="{FF2B5EF4-FFF2-40B4-BE49-F238E27FC236}">
+                <a16:creationId xmlns:a16="http://schemas.microsoft.com/office/drawing/2014/main" id="{BCE0B0FD-3413-40CC-A7D8-6A5058608D3C}"/>
+              </a:ext>
+              <a:ext uri="{C183D7F6-B498-43B3-948B-1728B52AA6E4}">
+                <adec:decorative xmlns:adec="http://schemas.microsoft.com/office/drawing/2017/decorative" val="1"/>
+              </a:ext>
+            </a:extLst>
+          </p:cNvPr>
+          <p:cNvSpPr>
+            <a:spLocks noGrp="1" noRot="1" noChangeAspect="1" noMove="1" noResize="1" noEditPoints="1" noAdjustHandles="1" noChangeArrowheads="1" noChangeShapeType="1" noTextEdit="1"/>
+          </p:cNvSpPr>
+          <p:nvPr>
+            <p:extLst>
+              <p:ext uri="{386F3935-93C4-4BCD-93E2-E3B085C9AB24}">
+                <p16:designElem xmlns:p16="http://schemas.microsoft.com/office/powerpoint/2015/main" val="1"/>
+              </p:ext>
+            </p:extLst>
+          </p:nvPr>
+        </p:nvSpPr>
+        <p:spPr>
+          <a:xfrm>
+            <a:off x="1447801" y="1411615"/>
+            <a:ext cx="9296400" cy="4034770"/>
+          </a:xfrm>
+          <a:prstGeom prst="rect">
+            <a:avLst/>
+          </a:prstGeom>
+          <a:noFill/>
+          <a:ln w="6350" cap="sq" cmpd="sng" algn="ctr">
+            <a:solidFill>
+              <a:schemeClr val="tx1">
+                <a:lumMod val="75000"/>
+                <a:lumOff val="25000"/>
+              </a:schemeClr>
+            </a:solidFill>
+            <a:prstDash val="solid"/>
+            <a:miter lim="800000"/>
+          </a:ln>
+          <a:effectLst/>
+        </p:spPr>
+      </p:sp>
+      <p:sp>
+        <p:nvSpPr>
+          <p:cNvPr id="112" name="Rectangle 111">
+            <a:extLst>
+              <a:ext uri="{FF2B5EF4-FFF2-40B4-BE49-F238E27FC236}">
+                <a16:creationId xmlns:a16="http://schemas.microsoft.com/office/drawing/2014/main" id="{50C4C044-5B1C-40C8-8C7B-AA5E6D879D3E}"/>
+              </a:ext>
+              <a:ext uri="{C183D7F6-B498-43B3-948B-1728B52AA6E4}">
+                <adec:decorative xmlns:adec="http://schemas.microsoft.com/office/drawing/2017/decorative" val="1"/>
+              </a:ext>
+            </a:extLst>
+          </p:cNvPr>
+          <p:cNvSpPr>
+            <a:spLocks noGrp="1" noRot="1" noChangeAspect="1" noMove="1" noResize="1" noEditPoints="1" noAdjustHandles="1" noChangeArrowheads="1" noChangeShapeType="1" noTextEdit="1"/>
+          </p:cNvSpPr>
+          <p:nvPr>
+            <p:extLst>
+              <p:ext uri="{386F3935-93C4-4BCD-93E2-E3B085C9AB24}">
+                <p16:designElem xmlns:p16="http://schemas.microsoft.com/office/powerpoint/2015/main" val="1"/>
+              </p:ext>
+            </p:extLst>
+          </p:nvPr>
+        </p:nvSpPr>
+        <p:spPr>
+          <a:xfrm>
+            <a:off x="5135880" y="1267730"/>
+            <a:ext cx="1920240" cy="731520"/>
+          </a:xfrm>
+          <a:prstGeom prst="rect">
+            <a:avLst/>
+          </a:prstGeom>
+          <a:solidFill>
+            <a:schemeClr val="accent1"/>
+          </a:solidFill>
+          <a:ln>
+            <a:noFill/>
+          </a:ln>
+        </p:spPr>
+        <p:style>
+          <a:lnRef idx="2">
+            <a:schemeClr val="accent1">
+              <a:shade val="50000"/>
+            </a:schemeClr>
+          </a:lnRef>
+          <a:fillRef idx="1">
+            <a:schemeClr val="accent1"/>
+          </a:fillRef>
+          <a:effectRef idx="0">
+            <a:schemeClr val="accent1"/>
+          </a:effectRef>
+          <a:fontRef idx="minor">
+            <a:schemeClr val="lt1"/>
+          </a:fontRef>
+        </p:style>
+      </p:sp>
+      <p:grpSp>
+        <p:nvGrpSpPr>
+          <p:cNvPr id="114" name="Group 113">
+            <a:extLst>
+              <a:ext uri="{FF2B5EF4-FFF2-40B4-BE49-F238E27FC236}">
+                <a16:creationId xmlns:a16="http://schemas.microsoft.com/office/drawing/2014/main" id="{E26428D7-C6F3-473D-A360-A3F5C3E8728C}"/>
+              </a:ext>
+              <a:ext uri="{C183D7F6-B498-43B3-948B-1728B52AA6E4}">
+                <adec:decorative xmlns:adec="http://schemas.microsoft.com/office/drawing/2017/decorative" val="1"/>
+              </a:ext>
+            </a:extLst>
+          </p:cNvPr>
+          <p:cNvGrpSpPr>
+            <a:grpSpLocks noGrp="1" noUngrp="1" noRot="1" noChangeAspect="1" noMove="1" noResize="1"/>
+          </p:cNvGrpSpPr>
+          <p:nvPr>
+            <p:extLst>
+              <p:ext uri="{386F3935-93C4-4BCD-93E2-E3B085C9AB24}">
+                <p16:designElem xmlns:p16="http://schemas.microsoft.com/office/powerpoint/2015/main" val="1"/>
+              </p:ext>
+            </p:extLst>
+          </p:nvPr>
         </p:nvGrpSpPr>
         <p:grpSpPr>
           <a:xfrm>
@@ -8827,10 +10415,10 @@
         </p:grpSpPr>
         <p:cxnSp>
           <p:nvCxnSpPr>
-            <p:cNvPr id="74" name="Straight Connector 73">
+            <p:cNvPr id="115" name="Straight Connector 114">
               <a:extLst>
                 <a:ext uri="{FF2B5EF4-FFF2-40B4-BE49-F238E27FC236}">
-                  <a16:creationId xmlns:a16="http://schemas.microsoft.com/office/drawing/2014/main" id="{14DF524F-3FEF-4236-90C6-820E876A94EE}"/>
+                  <a16:creationId xmlns:a16="http://schemas.microsoft.com/office/drawing/2014/main" id="{00163F5F-1439-4827-8F7A-B08BDDEFB99A}"/>
                 </a:ext>
                 <a:ext uri="{C183D7F6-B498-43B3-948B-1728B52AA6E4}">
                   <adec:decorative xmlns:adec="http://schemas.microsoft.com/office/drawing/2017/decorative" val="1"/>
@@ -8884,10 +10472,10 @@
         </p:cxnSp>
         <p:cxnSp>
           <p:nvCxnSpPr>
-            <p:cNvPr id="75" name="Straight Connector 74">
+            <p:cNvPr id="116" name="Straight Connector 115">
               <a:extLst>
                 <a:ext uri="{FF2B5EF4-FFF2-40B4-BE49-F238E27FC236}">
-                  <a16:creationId xmlns:a16="http://schemas.microsoft.com/office/drawing/2014/main" id="{2400A003-1BE9-49C2-8E57-DCD9B870FC8A}"/>
+                  <a16:creationId xmlns:a16="http://schemas.microsoft.com/office/drawing/2014/main" id="{BA677414-C3D2-4430-876D-9092D633F518}"/>
                 </a:ext>
                 <a:ext uri="{C183D7F6-B498-43B3-948B-1728B52AA6E4}">
                   <adec:decorative xmlns:adec="http://schemas.microsoft.com/office/drawing/2017/decorative" val="1"/>
@@ -8941,10 +10529,10 @@
         </p:cxnSp>
         <p:cxnSp>
           <p:nvCxnSpPr>
-            <p:cNvPr id="76" name="Straight Connector 75">
+            <p:cNvPr id="117" name="Straight Connector 116">
               <a:extLst>
                 <a:ext uri="{FF2B5EF4-FFF2-40B4-BE49-F238E27FC236}">
-                  <a16:creationId xmlns:a16="http://schemas.microsoft.com/office/drawing/2014/main" id="{83BF0991-F9A1-4282-99DB-92D70239F6A9}"/>
+                  <a16:creationId xmlns:a16="http://schemas.microsoft.com/office/drawing/2014/main" id="{39181D20-1D81-447D-9854-10DDB10D541A}"/>
                 </a:ext>
                 <a:ext uri="{C183D7F6-B498-43B3-948B-1728B52AA6E4}">
                   <adec:decorative xmlns:adec="http://schemas.microsoft.com/office/drawing/2017/decorative" val="1"/>
@@ -8999,7 +10587,7 @@
       </p:grpSp>
       <p:sp>
         <p:nvSpPr>
-          <p:cNvPr id="97" name="Rectangle 77">
+          <p:cNvPr id="119" name="Rectangle 118">
             <a:extLst>
               <a:ext uri="{FF2B5EF4-FFF2-40B4-BE49-F238E27FC236}">
                 <a16:creationId xmlns:a16="http://schemas.microsoft.com/office/drawing/2014/main" id="{EA4E4267-CAF0-4C38-8DC6-CD3B1A9F046E}"/>
@@ -9062,7 +10650,7 @@
       </p:sp>
       <p:sp>
         <p:nvSpPr>
-          <p:cNvPr id="98" name="Rectangle 79">
+          <p:cNvPr id="121" name="Rectangle 120">
             <a:extLst>
               <a:ext uri="{FF2B5EF4-FFF2-40B4-BE49-F238E27FC236}">
                 <a16:creationId xmlns:a16="http://schemas.microsoft.com/office/drawing/2014/main" id="{0EE3ACC5-126D-4BA4-8B45-7F0B5B839C51}"/>
@@ -9128,7 +10716,7 @@
       </p:sp>
       <p:sp>
         <p:nvSpPr>
-          <p:cNvPr id="99" name="Rectangle 81">
+          <p:cNvPr id="123" name="Rectangle 122">
             <a:extLst>
               <a:ext uri="{FF2B5EF4-FFF2-40B4-BE49-F238E27FC236}">
                 <a16:creationId xmlns:a16="http://schemas.microsoft.com/office/drawing/2014/main" id="{AB2868F7-FE10-4289-A5BD-90763C7A2F5A}"/>
@@ -9215,8 +10803,8 @@
         </p:blipFill>
         <p:spPr>
           <a:xfrm>
-            <a:off x="3219031" y="645106"/>
-            <a:ext cx="5740931" cy="3229275"/>
+            <a:off x="643191" y="828878"/>
+            <a:ext cx="5087521" cy="2861731"/>
           </a:xfrm>
           <a:prstGeom prst="rect">
             <a:avLst/>
@@ -9225,7 +10813,7 @@
       </p:pic>
       <p:sp>
         <p:nvSpPr>
-          <p:cNvPr id="100" name="Rectangle 83">
+          <p:cNvPr id="125" name="Rectangle 124">
             <a:extLst>
               <a:ext uri="{FF2B5EF4-FFF2-40B4-BE49-F238E27FC236}">
                 <a16:creationId xmlns:a16="http://schemas.microsoft.com/office/drawing/2014/main" id="{BD94142C-10EE-487C-A327-404FDF358F22}"/>
@@ -9276,7 +10864,7 @@
       </p:sp>
       <p:sp>
         <p:nvSpPr>
-          <p:cNvPr id="101" name="Rectangle 85">
+          <p:cNvPr id="127" name="Rectangle 126">
             <a:extLst>
               <a:ext uri="{FF2B5EF4-FFF2-40B4-BE49-F238E27FC236}">
                 <a16:creationId xmlns:a16="http://schemas.microsoft.com/office/drawing/2014/main" id="{5F7FAC2D-7A74-4939-A917-A1A5AF935685}"/>
@@ -9330,8 +10918,8 @@
         </p:nvSpPr>
         <p:spPr>
           <a:xfrm>
-            <a:off x="899780" y="4065191"/>
-            <a:ext cx="10366743" cy="2299874"/>
+            <a:off x="911695" y="4734507"/>
+            <a:ext cx="10366743" cy="1054907"/>
           </a:xfrm>
           <a:prstGeom prst="rect">
             <a:avLst/>
@@ -9365,18 +10953,18 @@
                 <a:solidFill>
                   <a:schemeClr val="bg1"/>
                 </a:solidFill>
-                <a:latin typeface="Calibri" panose="020F0502020204030204" pitchFamily="34" charset="0"/>
-                <a:cs typeface="Calibri" panose="020F0502020204030204" pitchFamily="34" charset="0"/>
+                <a:latin typeface="+mj-lt"/>
+                <a:cs typeface="B Nazanin" panose="00000400000000000000" pitchFamily="2" charset="-78"/>
               </a:rPr>
-              <a:t>دو</a:t>
+              <a:t>اسلاید</a:t>
             </a:r>
             <a:r>
               <a:rPr lang="en-US" sz="3700" cap="all" spc="-100" dirty="0">
                 <a:solidFill>
                   <a:schemeClr val="bg1"/>
                 </a:solidFill>
-                <a:latin typeface="Calibri" panose="020F0502020204030204" pitchFamily="34" charset="0"/>
-                <a:cs typeface="Calibri" panose="020F0502020204030204" pitchFamily="34" charset="0"/>
+                <a:latin typeface="+mj-lt"/>
+                <a:cs typeface="B Nazanin" panose="00000400000000000000" pitchFamily="2" charset="-78"/>
               </a:rPr>
               <a:t> </a:t>
             </a:r>
@@ -9385,18 +10973,18 @@
                 <a:solidFill>
                   <a:schemeClr val="bg1"/>
                 </a:solidFill>
-                <a:latin typeface="Calibri" panose="020F0502020204030204" pitchFamily="34" charset="0"/>
-                <a:cs typeface="Calibri" panose="020F0502020204030204" pitchFamily="34" charset="0"/>
+                <a:latin typeface="+mj-lt"/>
+                <a:cs typeface="B Nazanin" panose="00000400000000000000" pitchFamily="2" charset="-78"/>
               </a:rPr>
-              <a:t>اسلاید</a:t>
+              <a:t>بعد</a:t>
             </a:r>
             <a:r>
               <a:rPr lang="en-US" sz="3700" cap="all" spc="-100" dirty="0">
                 <a:solidFill>
                   <a:schemeClr val="bg1"/>
                 </a:solidFill>
-                <a:latin typeface="Calibri" panose="020F0502020204030204" pitchFamily="34" charset="0"/>
-                <a:cs typeface="Calibri" panose="020F0502020204030204" pitchFamily="34" charset="0"/>
+                <a:latin typeface="+mj-lt"/>
+                <a:cs typeface="B Nazanin" panose="00000400000000000000" pitchFamily="2" charset="-78"/>
               </a:rPr>
               <a:t> </a:t>
             </a:r>
@@ -9405,18 +10993,18 @@
                 <a:solidFill>
                   <a:schemeClr val="bg1"/>
                 </a:solidFill>
-                <a:latin typeface="Calibri" panose="020F0502020204030204" pitchFamily="34" charset="0"/>
-                <a:cs typeface="Calibri" panose="020F0502020204030204" pitchFamily="34" charset="0"/>
+                <a:latin typeface="+mj-lt"/>
+                <a:cs typeface="B Nazanin" panose="00000400000000000000" pitchFamily="2" charset="-78"/>
               </a:rPr>
-              <a:t>بعدی</a:t>
+              <a:t>فراوانی</a:t>
             </a:r>
             <a:r>
               <a:rPr lang="en-US" sz="3700" cap="all" spc="-100" dirty="0">
                 <a:solidFill>
                   <a:schemeClr val="bg1"/>
                 </a:solidFill>
-                <a:latin typeface="Calibri" panose="020F0502020204030204" pitchFamily="34" charset="0"/>
-                <a:cs typeface="Calibri" panose="020F0502020204030204" pitchFamily="34" charset="0"/>
+                <a:latin typeface="+mj-lt"/>
+                <a:cs typeface="B Nazanin" panose="00000400000000000000" pitchFamily="2" charset="-78"/>
               </a:rPr>
               <a:t> </a:t>
             </a:r>
@@ -9425,48 +11013,128 @@
                 <a:solidFill>
                   <a:schemeClr val="bg1"/>
                 </a:solidFill>
-                <a:latin typeface="Calibri" panose="020F0502020204030204" pitchFamily="34" charset="0"/>
-                <a:cs typeface="Calibri" panose="020F0502020204030204" pitchFamily="34" charset="0"/>
+                <a:latin typeface="+mj-lt"/>
+                <a:cs typeface="B Nazanin" panose="00000400000000000000" pitchFamily="2" charset="-78"/>
               </a:rPr>
-              <a:t>خروجی</a:t>
+              <a:t>کلمات</a:t>
             </a:r>
             <a:r>
               <a:rPr lang="en-US" sz="3700" cap="all" spc="-100" dirty="0">
                 <a:solidFill>
                   <a:schemeClr val="bg1"/>
                 </a:solidFill>
-                <a:latin typeface="Calibri" panose="020F0502020204030204" pitchFamily="34" charset="0"/>
-                <a:cs typeface="Calibri" panose="020F0502020204030204" pitchFamily="34" charset="0"/>
-              </a:rPr>
-              <a:t> Topic modeling </a:t>
-            </a:r>
-            <a:r>
-              <a:rPr lang="fa-IR" sz="3700" cap="all" spc="-100" dirty="0">
-                <a:solidFill>
-                  <a:schemeClr val="bg1"/>
-                </a:solidFill>
-                <a:latin typeface="Calibri" panose="020F0502020204030204" pitchFamily="34" charset="0"/>
-                <a:cs typeface="Calibri" panose="020F0502020204030204" pitchFamily="34" charset="0"/>
+                <a:latin typeface="+mj-lt"/>
+                <a:cs typeface="B Nazanin" panose="00000400000000000000" pitchFamily="2" charset="-78"/>
               </a:rPr>
               <a:t> </a:t>
             </a:r>
             <a:r>
+              <a:rPr lang="en-US" sz="3700" cap="all" spc="-100" dirty="0" err="1">
+                <a:solidFill>
+                  <a:schemeClr val="bg1"/>
+                </a:solidFill>
+                <a:latin typeface="+mj-lt"/>
+                <a:cs typeface="B Nazanin" panose="00000400000000000000" pitchFamily="2" charset="-78"/>
+              </a:rPr>
+              <a:t>رایج</a:t>
+            </a:r>
+            <a:r>
               <a:rPr lang="en-US" sz="3700" cap="all" spc="-100" dirty="0">
                 <a:solidFill>
                   <a:schemeClr val="bg1"/>
                 </a:solidFill>
-                <a:latin typeface="Calibri" panose="020F0502020204030204" pitchFamily="34" charset="0"/>
-                <a:cs typeface="Calibri" panose="020F0502020204030204" pitchFamily="34" charset="0"/>
+                <a:latin typeface="+mj-lt"/>
+                <a:cs typeface="B Nazanin" panose="00000400000000000000" pitchFamily="2" charset="-78"/>
               </a:rPr>
-              <a:t>انجام شده در </a:t>
+              <a:t> </a:t>
             </a:r>
             <a:r>
               <a:rPr lang="en-US" sz="3700" cap="all" spc="-100" dirty="0" err="1">
                 <a:solidFill>
                   <a:schemeClr val="bg1"/>
                 </a:solidFill>
-                <a:latin typeface="Calibri" panose="020F0502020204030204" pitchFamily="34" charset="0"/>
-                <a:cs typeface="Calibri" panose="020F0502020204030204" pitchFamily="34" charset="0"/>
+                <a:latin typeface="+mj-lt"/>
+                <a:cs typeface="B Nazanin" panose="00000400000000000000" pitchFamily="2" charset="-78"/>
+              </a:rPr>
+              <a:t>مورد</a:t>
+            </a:r>
+            <a:r>
+              <a:rPr lang="en-US" sz="3700" cap="all" spc="-100" dirty="0">
+                <a:solidFill>
+                  <a:schemeClr val="bg1"/>
+                </a:solidFill>
+                <a:latin typeface="+mj-lt"/>
+                <a:cs typeface="B Nazanin" panose="00000400000000000000" pitchFamily="2" charset="-78"/>
+              </a:rPr>
+              <a:t> </a:t>
+            </a:r>
+            <a:r>
+              <a:rPr lang="en-US" sz="3700" cap="all" spc="-100" dirty="0" err="1">
+                <a:solidFill>
+                  <a:schemeClr val="bg1"/>
+                </a:solidFill>
+                <a:latin typeface="+mj-lt"/>
+                <a:cs typeface="B Nazanin" panose="00000400000000000000" pitchFamily="2" charset="-78"/>
+              </a:rPr>
+              <a:t>استفاده</a:t>
+            </a:r>
+            <a:r>
+              <a:rPr lang="en-US" sz="3700" cap="all" spc="-100" dirty="0">
+                <a:solidFill>
+                  <a:schemeClr val="bg1"/>
+                </a:solidFill>
+                <a:latin typeface="+mj-lt"/>
+                <a:cs typeface="B Nazanin" panose="00000400000000000000" pitchFamily="2" charset="-78"/>
+              </a:rPr>
+              <a:t> </a:t>
+            </a:r>
+            <a:r>
+              <a:rPr lang="en-US" sz="3700" cap="all" spc="-100" dirty="0" err="1">
+                <a:solidFill>
+                  <a:schemeClr val="bg1"/>
+                </a:solidFill>
+                <a:latin typeface="+mj-lt"/>
+                <a:cs typeface="B Nazanin" panose="00000400000000000000" pitchFamily="2" charset="-78"/>
+              </a:rPr>
+              <a:t>به</a:t>
+            </a:r>
+            <a:r>
+              <a:rPr lang="en-US" sz="3700" cap="all" spc="-100" dirty="0">
+                <a:solidFill>
+                  <a:schemeClr val="bg1"/>
+                </a:solidFill>
+                <a:latin typeface="+mj-lt"/>
+                <a:cs typeface="B Nazanin" panose="00000400000000000000" pitchFamily="2" charset="-78"/>
+              </a:rPr>
+              <a:t> </a:t>
+            </a:r>
+            <a:r>
+              <a:rPr lang="en-US" sz="3700" cap="all" spc="-100" dirty="0" err="1">
+                <a:solidFill>
+                  <a:schemeClr val="bg1"/>
+                </a:solidFill>
+                <a:latin typeface="+mj-lt"/>
+                <a:cs typeface="B Nazanin" panose="00000400000000000000" pitchFamily="2" charset="-78"/>
+              </a:rPr>
+              <a:t>تفکیک</a:t>
+            </a:r>
+            <a:r>
+              <a:rPr lang="en-US" sz="3700" cap="all" spc="-100" dirty="0">
+                <a:solidFill>
+                  <a:schemeClr val="bg1"/>
+                </a:solidFill>
+                <a:latin typeface="+mj-lt"/>
+                <a:cs typeface="B Nazanin" panose="00000400000000000000" pitchFamily="2" charset="-78"/>
+              </a:rPr>
+              <a:t> </a:t>
+            </a:r>
+            <a:r>
+              <a:rPr lang="en-US" sz="3700" cap="all" spc="-100" dirty="0" err="1">
+                <a:solidFill>
+                  <a:schemeClr val="bg1"/>
+                </a:solidFill>
+                <a:latin typeface="+mj-lt"/>
+                <a:cs typeface="B Nazanin" panose="00000400000000000000" pitchFamily="2" charset="-78"/>
               </a:rPr>
               <a:t>شش</a:t>
             </a:r>
@@ -9475,8 +11143,8 @@
                 <a:solidFill>
                   <a:schemeClr val="bg1"/>
                 </a:solidFill>
-                <a:latin typeface="Calibri" panose="020F0502020204030204" pitchFamily="34" charset="0"/>
-                <a:cs typeface="Calibri" panose="020F0502020204030204" pitchFamily="34" charset="0"/>
+                <a:latin typeface="+mj-lt"/>
+                <a:cs typeface="B Nazanin" panose="00000400000000000000" pitchFamily="2" charset="-78"/>
               </a:rPr>
               <a:t> </a:t>
             </a:r>
@@ -9485,8 +11153,8 @@
                 <a:solidFill>
                   <a:schemeClr val="bg1"/>
                 </a:solidFill>
-                <a:latin typeface="Calibri" panose="020F0502020204030204" pitchFamily="34" charset="0"/>
-                <a:cs typeface="Calibri" panose="020F0502020204030204" pitchFamily="34" charset="0"/>
+                <a:latin typeface="+mj-lt"/>
+                <a:cs typeface="B Nazanin" panose="00000400000000000000" pitchFamily="2" charset="-78"/>
               </a:rPr>
               <a:t>دفتر</a:t>
             </a:r>
@@ -9495,118 +11163,58 @@
                 <a:solidFill>
                   <a:schemeClr val="bg1"/>
                 </a:solidFill>
-                <a:latin typeface="Calibri" panose="020F0502020204030204" pitchFamily="34" charset="0"/>
-                <a:cs typeface="Calibri" panose="020F0502020204030204" pitchFamily="34" charset="0"/>
-              </a:rPr>
-              <a:t> در </a:t>
-            </a:r>
-            <a:r>
-              <a:rPr lang="en-US" sz="3700" cap="all" spc="-100" dirty="0" err="1">
-                <a:solidFill>
-                  <a:schemeClr val="bg1"/>
-                </a:solidFill>
-                <a:latin typeface="Calibri" panose="020F0502020204030204" pitchFamily="34" charset="0"/>
-                <a:cs typeface="Calibri" panose="020F0502020204030204" pitchFamily="34" charset="0"/>
-              </a:rPr>
-              <a:t>الگوریتم‌هایNMF</a:t>
-            </a:r>
-            <a:r>
-              <a:rPr lang="en-US" sz="3700" cap="all" spc="-100" dirty="0">
-                <a:solidFill>
-                  <a:schemeClr val="bg1"/>
-                </a:solidFill>
-                <a:latin typeface="Calibri" panose="020F0502020204030204" pitchFamily="34" charset="0"/>
-                <a:cs typeface="Calibri" panose="020F0502020204030204" pitchFamily="34" charset="0"/>
+                <a:latin typeface="+mj-lt"/>
+                <a:cs typeface="B Nazanin" panose="00000400000000000000" pitchFamily="2" charset="-78"/>
               </a:rPr>
               <a:t> </a:t>
             </a:r>
             <a:r>
-              <a:rPr lang="fa-IR" sz="3700" cap="all" spc="-100" dirty="0">
+              <a:rPr lang="en-US" sz="3700" cap="all" spc="-100" dirty="0" err="1">
                 <a:solidFill>
                   <a:schemeClr val="bg1"/>
                 </a:solidFill>
-                <a:latin typeface="Calibri" panose="020F0502020204030204" pitchFamily="34" charset="0"/>
-                <a:cs typeface="Calibri" panose="020F0502020204030204" pitchFamily="34" charset="0"/>
+                <a:latin typeface="+mj-lt"/>
+                <a:cs typeface="B Nazanin" panose="00000400000000000000" pitchFamily="2" charset="-78"/>
+              </a:rPr>
+              <a:t>را</a:t>
+            </a:r>
+            <a:r>
+              <a:rPr lang="en-US" sz="3700" cap="all" spc="-100" dirty="0">
+                <a:solidFill>
+                  <a:schemeClr val="bg1"/>
+                </a:solidFill>
+                <a:latin typeface="+mj-lt"/>
+                <a:cs typeface="B Nazanin" panose="00000400000000000000" pitchFamily="2" charset="-78"/>
               </a:rPr>
               <a:t> </a:t>
             </a:r>
             <a:r>
+              <a:rPr lang="en-US" sz="3700" cap="all" spc="-100" dirty="0" err="1">
+                <a:solidFill>
+                  <a:schemeClr val="bg1"/>
+                </a:solidFill>
+                <a:latin typeface="+mj-lt"/>
+                <a:cs typeface="B Nazanin" panose="00000400000000000000" pitchFamily="2" charset="-78"/>
+              </a:rPr>
+              <a:t>نشان</a:t>
+            </a:r>
+            <a:r>
               <a:rPr lang="en-US" sz="3700" cap="all" spc="-100" dirty="0">
                 <a:solidFill>
                   <a:schemeClr val="bg1"/>
                 </a:solidFill>
-                <a:latin typeface="Calibri" panose="020F0502020204030204" pitchFamily="34" charset="0"/>
-                <a:cs typeface="Calibri" panose="020F0502020204030204" pitchFamily="34" charset="0"/>
-              </a:rPr>
-              <a:t>و LDA</a:t>
-            </a:r>
-            <a:r>
-              <a:rPr lang="fa-IR" sz="3700" cap="all" spc="-100" dirty="0">
-                <a:solidFill>
-                  <a:schemeClr val="bg1"/>
-                </a:solidFill>
-                <a:latin typeface="Calibri" panose="020F0502020204030204" pitchFamily="34" charset="0"/>
-                <a:cs typeface="Calibri" panose="020F0502020204030204" pitchFamily="34" charset="0"/>
+                <a:latin typeface="+mj-lt"/>
+                <a:cs typeface="B Nazanin" panose="00000400000000000000" pitchFamily="2" charset="-78"/>
               </a:rPr>
               <a:t> </a:t>
             </a:r>
             <a:r>
-              <a:rPr lang="en-US" sz="3700" cap="all" spc="-100" dirty="0">
+              <a:rPr lang="en-US" sz="3700" cap="all" spc="-100" dirty="0" err="1">
                 <a:solidFill>
                   <a:schemeClr val="bg1"/>
                 </a:solidFill>
-                <a:latin typeface="Calibri" panose="020F0502020204030204" pitchFamily="34" charset="0"/>
-                <a:cs typeface="Calibri" panose="020F0502020204030204" pitchFamily="34" charset="0"/>
-              </a:rPr>
-              <a:t> </a:t>
-            </a:r>
-            <a:r>
-              <a:rPr lang="en-US" sz="3700" cap="all" spc="-100" dirty="0" err="1">
-                <a:solidFill>
-                  <a:schemeClr val="bg1"/>
-                </a:solidFill>
-                <a:latin typeface="Calibri" panose="020F0502020204030204" pitchFamily="34" charset="0"/>
-                <a:cs typeface="Calibri" panose="020F0502020204030204" pitchFamily="34" charset="0"/>
-              </a:rPr>
-              <a:t>را</a:t>
-            </a:r>
-            <a:r>
-              <a:rPr lang="en-US" sz="3700" cap="all" spc="-100" dirty="0">
-                <a:solidFill>
-                  <a:schemeClr val="bg1"/>
-                </a:solidFill>
-                <a:latin typeface="Calibri" panose="020F0502020204030204" pitchFamily="34" charset="0"/>
-                <a:cs typeface="Calibri" panose="020F0502020204030204" pitchFamily="34" charset="0"/>
-              </a:rPr>
-              <a:t> </a:t>
-            </a:r>
-            <a:r>
-              <a:rPr lang="en-US" sz="3700" cap="all" spc="-100" dirty="0" err="1">
-                <a:solidFill>
-                  <a:schemeClr val="bg1"/>
-                </a:solidFill>
-                <a:latin typeface="Calibri" panose="020F0502020204030204" pitchFamily="34" charset="0"/>
-                <a:cs typeface="Calibri" panose="020F0502020204030204" pitchFamily="34" charset="0"/>
-              </a:rPr>
-              <a:t>نشان</a:t>
-            </a:r>
-            <a:r>
-              <a:rPr lang="en-US" sz="3700" cap="all" spc="-100" dirty="0">
-                <a:solidFill>
-                  <a:schemeClr val="bg1"/>
-                </a:solidFill>
-                <a:latin typeface="Calibri" panose="020F0502020204030204" pitchFamily="34" charset="0"/>
-                <a:cs typeface="Calibri" panose="020F0502020204030204" pitchFamily="34" charset="0"/>
-              </a:rPr>
-              <a:t> </a:t>
-            </a:r>
-            <a:r>
-              <a:rPr lang="en-US" sz="3700" cap="all" spc="-100" dirty="0" err="1">
-                <a:solidFill>
-                  <a:schemeClr val="bg1"/>
-                </a:solidFill>
-                <a:latin typeface="Calibri" panose="020F0502020204030204" pitchFamily="34" charset="0"/>
-                <a:cs typeface="Calibri" panose="020F0502020204030204" pitchFamily="34" charset="0"/>
+                <a:latin typeface="+mj-lt"/>
+                <a:cs typeface="B Nazanin" panose="00000400000000000000" pitchFamily="2" charset="-78"/>
               </a:rPr>
               <a:t>می‌دهد</a:t>
             </a:r>
@@ -9615,78 +11223,29 @@
                 <a:solidFill>
                   <a:schemeClr val="bg1"/>
                 </a:solidFill>
-                <a:latin typeface="Calibri" panose="020F0502020204030204" pitchFamily="34" charset="0"/>
-                <a:cs typeface="Calibri" panose="020F0502020204030204" pitchFamily="34" charset="0"/>
+                <a:latin typeface="+mj-lt"/>
+                <a:cs typeface="B Nazanin" panose="00000400000000000000" pitchFamily="2" charset="-78"/>
               </a:rPr>
               <a:t>.</a:t>
             </a:r>
           </a:p>
         </p:txBody>
       </p:sp>
-    </p:spTree>
-    <p:extLst>
-      <p:ext uri="{BB962C8B-B14F-4D97-AF65-F5344CB8AC3E}">
-        <p14:creationId xmlns:p14="http://schemas.microsoft.com/office/powerpoint/2010/main" val="2726320654"/>
-      </p:ext>
-    </p:extLst>
-  </p:cSld>
-  <p:clrMapOvr>
-    <a:masterClrMapping/>
-  </p:clrMapOvr>
-</p:sld>
-</file>
-
-<file path=ppt/slides/slide19.xml><?xml version="1.0" encoding="utf-8"?>
-<p:sld xmlns:a="http://schemas.openxmlformats.org/drawingml/2006/main" xmlns:r="http://schemas.openxmlformats.org/officeDocument/2006/relationships" xmlns:p="http://schemas.openxmlformats.org/presentationml/2006/main">
-  <p:cSld>
-    <p:bg>
-      <p:bgPr>
-        <a:blipFill rotWithShape="1">
-          <a:blip r:embed="rId2">
-            <a:duotone>
-              <a:schemeClr val="bg1">
-                <a:tint val="95000"/>
-              </a:schemeClr>
-              <a:schemeClr val="bg1">
-                <a:shade val="92000"/>
-                <a:satMod val="115000"/>
-              </a:schemeClr>
-            </a:duotone>
-          </a:blip>
-          <a:tile tx="0" ty="0" sx="60000" sy="60000" flip="none" algn="tl"/>
-        </a:blipFill>
-        <a:effectLst/>
-      </p:bgPr>
-    </p:bg>
-    <p:spTree>
-      <p:nvGrpSpPr>
-        <p:cNvPr id="1" name=""/>
-        <p:cNvGrpSpPr/>
-        <p:nvPr/>
-      </p:nvGrpSpPr>
-      <p:grpSpPr>
-        <a:xfrm>
-          <a:off x="0" y="0"/>
-          <a:ext cx="0" cy="0"/>
-          <a:chOff x="0" y="0"/>
-          <a:chExt cx="0" cy="0"/>
-        </a:xfrm>
-      </p:grpSpPr>
-      <p:sp useBgFill="1">
-        <p:nvSpPr>
-          <p:cNvPr id="1033" name="Rectangle 75">
-            <a:extLst>
-              <a:ext uri="{FF2B5EF4-FFF2-40B4-BE49-F238E27FC236}">
-                <a16:creationId xmlns:a16="http://schemas.microsoft.com/office/drawing/2014/main" id="{1E94681D-2A4C-4A8D-B9B5-31D440D0328D}"/>
+      <p:cxnSp>
+        <p:nvCxnSpPr>
+          <p:cNvPr id="129" name="Straight Connector 128">
+            <a:extLst>
+              <a:ext uri="{FF2B5EF4-FFF2-40B4-BE49-F238E27FC236}">
+                <a16:creationId xmlns:a16="http://schemas.microsoft.com/office/drawing/2014/main" id="{FEF09B21-45A0-42EE-9BDC-C4E0932EA624}"/>
               </a:ext>
               <a:ext uri="{C183D7F6-B498-43B3-948B-1728B52AA6E4}">
                 <adec:decorative xmlns:adec="http://schemas.microsoft.com/office/drawing/2017/decorative" val="1"/>
               </a:ext>
             </a:extLst>
           </p:cNvPr>
-          <p:cNvSpPr>
-            <a:spLocks noGrp="1" noRot="1" noChangeAspect="1" noMove="1" noResize="1" noEditPoints="1" noAdjustHandles="1" noChangeArrowheads="1" noChangeShapeType="1" noTextEdit="1"/>
-          </p:cNvSpPr>
+          <p:cNvCxnSpPr>
+            <a:cxnSpLocks noGrp="1" noRot="1" noChangeAspect="1" noMove="1" noResize="1" noEditPoints="1" noAdjustHandles="1" noChangeArrowheads="1" noChangeShapeType="1"/>
+          </p:cNvCxnSpPr>
           <p:nvPr>
             <p:extLst>
               <p:ext uri="{386F3935-93C4-4BCD-93E2-E3B085C9AB24}">
@@ -9694,341 +11253,45 @@
               </p:ext>
             </p:extLst>
           </p:nvPr>
-        </p:nvSpPr>
-        <p:spPr>
-          <a:xfrm>
-            <a:off x="0" y="0"/>
-            <a:ext cx="12192000" cy="6858000"/>
-          </a:xfrm>
-          <a:prstGeom prst="rect">
-            <a:avLst/>
-          </a:prstGeom>
-          <a:ln>
-            <a:noFill/>
+        </p:nvCxnSpPr>
+        <p:spPr>
+          <a:xfrm>
+            <a:off x="6052456" y="1386165"/>
+            <a:ext cx="0" cy="1747157"/>
+          </a:xfrm>
+          <a:prstGeom prst="line">
+            <a:avLst/>
+          </a:prstGeom>
+          <a:ln w="12700">
+            <a:solidFill>
+              <a:schemeClr val="tx1">
+                <a:lumMod val="85000"/>
+                <a:lumOff val="15000"/>
+              </a:schemeClr>
+            </a:solidFill>
           </a:ln>
         </p:spPr>
         <p:style>
-          <a:lnRef idx="2">
-            <a:schemeClr val="accent1">
-              <a:shade val="50000"/>
-            </a:schemeClr>
+          <a:lnRef idx="1">
+            <a:schemeClr val="accent1"/>
           </a:lnRef>
-          <a:fillRef idx="1">
+          <a:fillRef idx="0">
             <a:schemeClr val="accent1"/>
           </a:fillRef>
           <a:effectRef idx="0">
             <a:schemeClr val="accent1"/>
           </a:effectRef>
           <a:fontRef idx="minor">
-            <a:schemeClr val="lt1"/>
+            <a:schemeClr val="tx1"/>
           </a:fontRef>
         </p:style>
-        <p:txBody>
-          <a:bodyPr rtlCol="0" anchor="ctr"/>
-          <a:lstStyle/>
-          <a:p>
-            <a:pPr algn="ctr"/>
-            <a:endParaRPr lang="en-US"/>
-          </a:p>
-        </p:txBody>
-      </p:sp>
-      <p:sp>
-        <p:nvSpPr>
-          <p:cNvPr id="1034" name="Rectangle 77">
-            <a:extLst>
-              <a:ext uri="{FF2B5EF4-FFF2-40B4-BE49-F238E27FC236}">
-                <a16:creationId xmlns:a16="http://schemas.microsoft.com/office/drawing/2014/main" id="{4EC7E010-C712-408D-9787-0842AFC9F4BB}"/>
-              </a:ext>
-              <a:ext uri="{C183D7F6-B498-43B3-948B-1728B52AA6E4}">
-                <adec:decorative xmlns:adec="http://schemas.microsoft.com/office/drawing/2017/decorative" val="1"/>
-              </a:ext>
-            </a:extLst>
-          </p:cNvPr>
-          <p:cNvSpPr>
-            <a:spLocks noGrp="1" noRot="1" noChangeAspect="1" noMove="1" noResize="1" noEditPoints="1" noAdjustHandles="1" noChangeArrowheads="1" noChangeShapeType="1" noTextEdit="1"/>
-          </p:cNvSpPr>
-          <p:nvPr>
-            <p:extLst>
-              <p:ext uri="{386F3935-93C4-4BCD-93E2-E3B085C9AB24}">
-                <p16:designElem xmlns:p16="http://schemas.microsoft.com/office/powerpoint/2015/main" val="1"/>
-              </p:ext>
-            </p:extLst>
-          </p:nvPr>
-        </p:nvSpPr>
-        <p:spPr>
-          <a:xfrm>
-            <a:off x="234696" y="237744"/>
-            <a:ext cx="11722608" cy="6382512"/>
-          </a:xfrm>
-          <a:prstGeom prst="rect">
-            <a:avLst/>
-          </a:prstGeom>
-          <a:solidFill>
-            <a:schemeClr val="bg1">
-              <a:lumMod val="75000"/>
-              <a:alpha val="60000"/>
-            </a:schemeClr>
-          </a:solidFill>
-          <a:ln w="6350" cap="flat" cmpd="sng" algn="ctr">
-            <a:noFill/>
-            <a:prstDash val="solid"/>
-          </a:ln>
-          <a:effectLst>
-            <a:softEdge rad="0"/>
-          </a:effectLst>
-        </p:spPr>
-      </p:sp>
-      <p:sp>
-        <p:nvSpPr>
-          <p:cNvPr id="1035" name="Rectangle 79">
-            <a:extLst>
-              <a:ext uri="{FF2B5EF4-FFF2-40B4-BE49-F238E27FC236}">
-                <a16:creationId xmlns:a16="http://schemas.microsoft.com/office/drawing/2014/main" id="{0503FCEF-A9BA-4991-9220-E36615FB8B53}"/>
-              </a:ext>
-              <a:ext uri="{C183D7F6-B498-43B3-948B-1728B52AA6E4}">
-                <adec:decorative xmlns:adec="http://schemas.microsoft.com/office/drawing/2017/decorative" val="1"/>
-              </a:ext>
-            </a:extLst>
-          </p:cNvPr>
-          <p:cNvSpPr>
-            <a:spLocks noGrp="1" noRot="1" noChangeAspect="1" noMove="1" noResize="1" noEditPoints="1" noAdjustHandles="1" noChangeArrowheads="1" noChangeShapeType="1" noTextEdit="1"/>
-          </p:cNvSpPr>
-          <p:nvPr>
-            <p:extLst>
-              <p:ext uri="{386F3935-93C4-4BCD-93E2-E3B085C9AB24}">
-                <p16:designElem xmlns:p16="http://schemas.microsoft.com/office/powerpoint/2015/main" val="1"/>
-              </p:ext>
-            </p:extLst>
-          </p:nvPr>
-        </p:nvSpPr>
-        <p:spPr>
-          <a:xfrm>
-            <a:off x="371856" y="374904"/>
-            <a:ext cx="11448288" cy="6108192"/>
-          </a:xfrm>
-          <a:prstGeom prst="rect">
-            <a:avLst/>
-          </a:prstGeom>
-          <a:noFill/>
-          <a:ln w="6350" cap="sq" cmpd="sng" algn="ctr">
-            <a:solidFill>
-              <a:schemeClr val="tx1">
-                <a:lumMod val="85000"/>
-                <a:lumOff val="15000"/>
-              </a:schemeClr>
-            </a:solidFill>
-            <a:prstDash val="solid"/>
-            <a:miter lim="800000"/>
-          </a:ln>
-          <a:effectLst/>
-        </p:spPr>
-      </p:sp>
-      <p:sp useBgFill="1">
-        <p:nvSpPr>
-          <p:cNvPr id="1036" name="Rectangle 81">
-            <a:extLst>
-              <a:ext uri="{FF2B5EF4-FFF2-40B4-BE49-F238E27FC236}">
-                <a16:creationId xmlns:a16="http://schemas.microsoft.com/office/drawing/2014/main" id="{A069235B-22DB-4231-8291-D64DA2CDEB4E}"/>
-              </a:ext>
-              <a:ext uri="{C183D7F6-B498-43B3-948B-1728B52AA6E4}">
-                <adec:decorative xmlns:adec="http://schemas.microsoft.com/office/drawing/2017/decorative" val="1"/>
-              </a:ext>
-            </a:extLst>
-          </p:cNvPr>
-          <p:cNvSpPr>
-            <a:spLocks noGrp="1" noRot="1" noChangeAspect="1" noMove="1" noResize="1" noEditPoints="1" noAdjustHandles="1" noChangeArrowheads="1" noChangeShapeType="1" noTextEdit="1"/>
-          </p:cNvSpPr>
-          <p:nvPr>
-            <p:extLst>
-              <p:ext uri="{386F3935-93C4-4BCD-93E2-E3B085C9AB24}">
-                <p16:designElem xmlns:p16="http://schemas.microsoft.com/office/powerpoint/2015/main" val="1"/>
-              </p:ext>
-            </p:extLst>
-          </p:nvPr>
-        </p:nvSpPr>
-        <p:spPr>
-          <a:xfrm>
-            <a:off x="0" y="0"/>
-            <a:ext cx="12192000" cy="6858000"/>
-          </a:xfrm>
-          <a:prstGeom prst="rect">
-            <a:avLst/>
-          </a:prstGeom>
-          <a:ln>
-            <a:noFill/>
-          </a:ln>
-        </p:spPr>
-        <p:style>
-          <a:lnRef idx="2">
-            <a:schemeClr val="accent1">
-              <a:shade val="50000"/>
-            </a:schemeClr>
-          </a:lnRef>
-          <a:fillRef idx="1002">
-            <a:schemeClr val="lt2"/>
-          </a:fillRef>
-          <a:effectRef idx="0">
-            <a:schemeClr val="accent1"/>
-          </a:effectRef>
-          <a:fontRef idx="minor">
-            <a:schemeClr val="lt1"/>
-          </a:fontRef>
-        </p:style>
-        <p:txBody>
-          <a:bodyPr rtlCol="0" anchor="ctr"/>
-          <a:lstStyle/>
-          <a:p>
-            <a:pPr algn="ctr"/>
-            <a:endParaRPr lang="en-US"/>
-          </a:p>
-        </p:txBody>
-      </p:sp>
-      <p:sp>
-        <p:nvSpPr>
-          <p:cNvPr id="84" name="Rectangle 83">
-            <a:extLst>
-              <a:ext uri="{FF2B5EF4-FFF2-40B4-BE49-F238E27FC236}">
-                <a16:creationId xmlns:a16="http://schemas.microsoft.com/office/drawing/2014/main" id="{7AAE40DA-1F5A-4A1A-89CA-2BC620DCDB96}"/>
-              </a:ext>
-              <a:ext uri="{C183D7F6-B498-43B3-948B-1728B52AA6E4}">
-                <adec:decorative xmlns:adec="http://schemas.microsoft.com/office/drawing/2017/decorative" val="1"/>
-              </a:ext>
-            </a:extLst>
-          </p:cNvPr>
-          <p:cNvSpPr>
-            <a:spLocks noGrp="1" noRot="1" noChangeAspect="1" noMove="1" noResize="1" noEditPoints="1" noAdjustHandles="1" noChangeArrowheads="1" noChangeShapeType="1" noTextEdit="1"/>
-          </p:cNvSpPr>
-          <p:nvPr>
-            <p:extLst>
-              <p:ext uri="{386F3935-93C4-4BCD-93E2-E3B085C9AB24}">
-                <p16:designElem xmlns:p16="http://schemas.microsoft.com/office/powerpoint/2015/main" val="1"/>
-              </p:ext>
-            </p:extLst>
-          </p:nvPr>
-        </p:nvSpPr>
-        <p:spPr>
-          <a:xfrm>
-            <a:off x="477012" y="480060"/>
-            <a:ext cx="11237976" cy="5897880"/>
-          </a:xfrm>
-          <a:prstGeom prst="rect">
-            <a:avLst/>
-          </a:prstGeom>
-          <a:solidFill>
-            <a:schemeClr val="bg1"/>
-          </a:solidFill>
-          <a:ln w="6350" cap="flat" cmpd="sng" algn="ctr">
-            <a:noFill/>
-            <a:prstDash val="solid"/>
-          </a:ln>
-          <a:effectLst>
-            <a:outerShdw blurRad="50800" algn="ctr" rotWithShape="0">
-              <a:prstClr val="black">
-                <a:alpha val="66000"/>
-              </a:prstClr>
-            </a:outerShdw>
-            <a:softEdge rad="0"/>
-          </a:effectLst>
-        </p:spPr>
-        <p:txBody>
-          <a:bodyPr rtlCol="0" anchor="ctr"/>
-          <a:lstStyle/>
-          <a:p>
-            <a:pPr algn="ctr"/>
-            <a:endParaRPr lang="en-US"/>
-          </a:p>
-        </p:txBody>
-      </p:sp>
+      </p:cxnSp>
       <p:pic>
         <p:nvPicPr>
-          <p:cNvPr id="1026" name="Picture 2" descr="Graphical user interface, text&#10;&#10;Description automatically generated with medium confidence">
-            <a:extLst>
-              <a:ext uri="{FF2B5EF4-FFF2-40B4-BE49-F238E27FC236}">
-                <a16:creationId xmlns:a16="http://schemas.microsoft.com/office/drawing/2014/main" id="{119FEC4D-C723-4EBF-887C-299678BB9D0B}"/>
-              </a:ext>
-            </a:extLst>
-          </p:cNvPr>
-          <p:cNvPicPr>
-            <a:picLocks noChangeAspect="1" noChangeArrowheads="1"/>
-          </p:cNvPicPr>
-          <p:nvPr/>
-        </p:nvPicPr>
-        <p:blipFill>
-          <a:blip r:embed="rId3">
-            <a:extLst>
-              <a:ext uri="{28A0092B-C50C-407E-A947-70E740481C1C}">
-                <a14:useLocalDpi xmlns:a14="http://schemas.microsoft.com/office/drawing/2010/main" val="0"/>
-              </a:ext>
-            </a:extLst>
-          </a:blip>
-          <a:stretch>
-            <a:fillRect/>
-          </a:stretch>
-        </p:blipFill>
-        <p:spPr bwMode="auto">
-          <a:xfrm>
-            <a:off x="1592186" y="794269"/>
-            <a:ext cx="9007628" cy="5269462"/>
-          </a:xfrm>
-          <a:prstGeom prst="rect">
-            <a:avLst/>
-          </a:prstGeom>
-          <a:noFill/>
-          <a:extLst>
-            <a:ext uri="{909E8E84-426E-40DD-AFC4-6F175D3DCCD1}">
-              <a14:hiddenFill xmlns:a14="http://schemas.microsoft.com/office/drawing/2010/main">
-                <a:solidFill>
-                  <a:srgbClr val="FFFFFF"/>
-                </a:solidFill>
-              </a14:hiddenFill>
-            </a:ext>
-          </a:extLst>
-        </p:spPr>
-      </p:pic>
-    </p:spTree>
-    <p:extLst>
-      <p:ext uri="{BB962C8B-B14F-4D97-AF65-F5344CB8AC3E}">
-        <p14:creationId xmlns:p14="http://schemas.microsoft.com/office/powerpoint/2010/main" val="228764303"/>
-      </p:ext>
-    </p:extLst>
-  </p:cSld>
-  <p:clrMapOvr>
-    <a:overrideClrMapping bg1="lt1" tx1="dk1" bg2="lt2" tx2="dk2" accent1="accent1" accent2="accent2" accent3="accent3" accent4="accent4" accent5="accent5" accent6="accent6" hlink="hlink" folHlink="folHlink"/>
-  </p:clrMapOvr>
-</p:sld>
-</file>
-
-<file path=ppt/slides/slide2.xml><?xml version="1.0" encoding="utf-8"?>
-<p:sld xmlns:a="http://schemas.openxmlformats.org/drawingml/2006/main" xmlns:r="http://schemas.openxmlformats.org/officeDocument/2006/relationships" xmlns:p="http://schemas.openxmlformats.org/presentationml/2006/main">
-  <p:cSld>
-    <p:bg>
-      <p:bgPr>
-        <a:solidFill>
-          <a:schemeClr val="bg1"/>
-        </a:solidFill>
-        <a:effectLst/>
-      </p:bgPr>
-    </p:bg>
-    <p:spTree>
-      <p:nvGrpSpPr>
-        <p:cNvPr id="1" name=""/>
-        <p:cNvGrpSpPr/>
-        <p:nvPr/>
-      </p:nvGrpSpPr>
-      <p:grpSpPr>
-        <a:xfrm>
-          <a:off x="0" y="0"/>
-          <a:ext cx="0" cy="0"/>
-          <a:chOff x="0" y="0"/>
-          <a:chExt cx="0" cy="0"/>
-        </a:xfrm>
-      </p:grpSpPr>
-      <p:pic>
-        <p:nvPicPr>
-          <p:cNvPr id="4" name="Picture 3" descr="abstract image">
-            <a:extLst>
-              <a:ext uri="{FF2B5EF4-FFF2-40B4-BE49-F238E27FC236}">
-                <a16:creationId xmlns:a16="http://schemas.microsoft.com/office/drawing/2014/main" id="{5C002EE5-E4FF-463C-8DAA-9AC0B6D407FF}"/>
+          <p:cNvPr id="5" name="Picture 4">
+            <a:extLst>
+              <a:ext uri="{FF2B5EF4-FFF2-40B4-BE49-F238E27FC236}">
+                <a16:creationId xmlns:a16="http://schemas.microsoft.com/office/drawing/2014/main" id="{D2A9D9E7-7AA2-4114-9772-B29A595E30F4}"/>
               </a:ext>
             </a:extLst>
           </p:cNvPr>
@@ -10037,1455 +11300,22 @@
           </p:cNvPicPr>
           <p:nvPr/>
         </p:nvPicPr>
-        <p:blipFill rotWithShape="1">
-          <a:blip r:embed="rId2">
-            <a:extLst>
-              <a:ext uri="{28A0092B-C50C-407E-A947-70E740481C1C}">
-                <a14:useLocalDpi xmlns:a14="http://schemas.microsoft.com/office/drawing/2010/main" val="0"/>
-              </a:ext>
-            </a:extLst>
-          </a:blip>
-          <a:srcRect/>
-          <a:stretch/>
-        </p:blipFill>
-        <p:spPr>
-          <a:xfrm>
-            <a:off x="21" y="10"/>
-            <a:ext cx="12191979" cy="6857990"/>
-          </a:xfrm>
-          <a:prstGeom prst="rect">
-            <a:avLst/>
-          </a:prstGeom>
-        </p:spPr>
-      </p:pic>
-      <p:sp>
-        <p:nvSpPr>
-          <p:cNvPr id="29" name="Rectangle 22">
-            <a:extLst>
-              <a:ext uri="{FF2B5EF4-FFF2-40B4-BE49-F238E27FC236}">
-                <a16:creationId xmlns:a16="http://schemas.microsoft.com/office/drawing/2014/main" id="{F5380E9A-163E-4576-BCDD-0A450B7E9097}"/>
-              </a:ext>
-              <a:ext uri="{C183D7F6-B498-43B3-948B-1728B52AA6E4}">
-                <adec:decorative xmlns:adec="http://schemas.microsoft.com/office/drawing/2017/decorative" val="1"/>
-              </a:ext>
-            </a:extLst>
-          </p:cNvPr>
-          <p:cNvSpPr>
-            <a:spLocks noGrp="1" noRot="1" noChangeAspect="1" noMove="1" noResize="1" noEditPoints="1" noAdjustHandles="1" noChangeArrowheads="1" noChangeShapeType="1" noTextEdit="1"/>
-          </p:cNvSpPr>
-          <p:nvPr>
-            <p:extLst>
-              <p:ext uri="{386F3935-93C4-4BCD-93E2-E3B085C9AB24}">
-                <p16:designElem xmlns:p16="http://schemas.microsoft.com/office/powerpoint/2015/main" val="1"/>
-              </p:ext>
-            </p:extLst>
-          </p:nvPr>
-        </p:nvSpPr>
-        <p:spPr>
-          <a:xfrm>
-            <a:off x="4279943" y="237744"/>
-            <a:ext cx="7652977" cy="6382512"/>
-          </a:xfrm>
-          <a:prstGeom prst="rect">
-            <a:avLst/>
-          </a:prstGeom>
-          <a:solidFill>
-            <a:schemeClr val="bg1">
-              <a:alpha val="94000"/>
-            </a:schemeClr>
-          </a:solidFill>
-          <a:ln>
-            <a:noFill/>
-          </a:ln>
-        </p:spPr>
-        <p:style>
-          <a:lnRef idx="2">
-            <a:schemeClr val="accent1">
-              <a:shade val="50000"/>
-            </a:schemeClr>
-          </a:lnRef>
-          <a:fillRef idx="1">
-            <a:schemeClr val="accent1"/>
-          </a:fillRef>
-          <a:effectRef idx="0">
-            <a:schemeClr val="accent1"/>
-          </a:effectRef>
-          <a:fontRef idx="minor">
-            <a:schemeClr val="lt1"/>
-          </a:fontRef>
-        </p:style>
-      </p:sp>
-      <p:sp>
-        <p:nvSpPr>
-          <p:cNvPr id="30" name="Rectangle 24">
-            <a:extLst>
-              <a:ext uri="{FF2B5EF4-FFF2-40B4-BE49-F238E27FC236}">
-                <a16:creationId xmlns:a16="http://schemas.microsoft.com/office/drawing/2014/main" id="{88DDEF77-9746-4D83-91F9-442A2487E666}"/>
-              </a:ext>
-              <a:ext uri="{C183D7F6-B498-43B3-948B-1728B52AA6E4}">
-                <adec:decorative xmlns:adec="http://schemas.microsoft.com/office/drawing/2017/decorative" val="1"/>
-              </a:ext>
-            </a:extLst>
-          </p:cNvPr>
-          <p:cNvSpPr>
-            <a:spLocks noGrp="1" noRot="1" noChangeAspect="1" noMove="1" noResize="1" noEditPoints="1" noAdjustHandles="1" noChangeArrowheads="1" noChangeShapeType="1" noTextEdit="1"/>
-          </p:cNvSpPr>
-          <p:nvPr>
-            <p:extLst>
-              <p:ext uri="{386F3935-93C4-4BCD-93E2-E3B085C9AB24}">
-                <p16:designElem xmlns:p16="http://schemas.microsoft.com/office/powerpoint/2015/main" val="1"/>
-              </p:ext>
-            </p:extLst>
-          </p:nvPr>
-        </p:nvSpPr>
-        <p:spPr>
-          <a:xfrm>
-            <a:off x="4417103" y="374904"/>
-            <a:ext cx="7340156" cy="6108192"/>
-          </a:xfrm>
-          <a:prstGeom prst="rect">
-            <a:avLst/>
-          </a:prstGeom>
-          <a:noFill/>
-          <a:ln w="6350" cap="sq">
-            <a:solidFill>
-              <a:schemeClr val="tx1">
-                <a:lumMod val="65000"/>
-                <a:lumOff val="35000"/>
-              </a:schemeClr>
-            </a:solidFill>
-            <a:miter lim="800000"/>
-          </a:ln>
-        </p:spPr>
-        <p:style>
-          <a:lnRef idx="2">
-            <a:schemeClr val="accent1">
-              <a:shade val="50000"/>
-            </a:schemeClr>
-          </a:lnRef>
-          <a:fillRef idx="1">
-            <a:schemeClr val="accent1"/>
-          </a:fillRef>
-          <a:effectRef idx="0">
-            <a:schemeClr val="accent1"/>
-          </a:effectRef>
-          <a:fontRef idx="minor">
-            <a:schemeClr val="lt1"/>
-          </a:fontRef>
-        </p:style>
-      </p:sp>
-      <p:sp>
-        <p:nvSpPr>
-          <p:cNvPr id="2" name="Title 1">
-            <a:extLst>
-              <a:ext uri="{FF2B5EF4-FFF2-40B4-BE49-F238E27FC236}">
-                <a16:creationId xmlns:a16="http://schemas.microsoft.com/office/drawing/2014/main" id="{92C9295F-E638-4F61-AFE2-CF3E40556031}"/>
-              </a:ext>
-            </a:extLst>
-          </p:cNvPr>
-          <p:cNvSpPr>
-            <a:spLocks noGrp="1"/>
-          </p:cNvSpPr>
-          <p:nvPr>
-            <p:ph type="title"/>
-          </p:nvPr>
-        </p:nvSpPr>
-        <p:spPr>
-          <a:xfrm>
-            <a:off x="4828581" y="1682496"/>
-            <a:ext cx="6718433" cy="1746504"/>
-          </a:xfrm>
-        </p:spPr>
-        <p:txBody>
-          <a:bodyPr>
-            <a:normAutofit/>
-          </a:bodyPr>
-          <a:lstStyle/>
-          <a:p>
-            <a:pPr algn="r" rtl="1"/>
-            <a:r>
-              <a:rPr lang="fa-IR" dirty="0">
-                <a:solidFill>
-                  <a:schemeClr val="tx1">
-                    <a:lumMod val="75000"/>
-                    <a:lumOff val="25000"/>
-                  </a:schemeClr>
-                </a:solidFill>
-                <a:cs typeface="B Nazanin" panose="00000400000000000000" pitchFamily="2" charset="-78"/>
-              </a:rPr>
-              <a:t>درباره‌ی متن</a:t>
-            </a:r>
-            <a:endParaRPr lang="en-US" dirty="0">
-              <a:solidFill>
-                <a:schemeClr val="tx1">
-                  <a:lumMod val="75000"/>
-                  <a:lumOff val="25000"/>
-                </a:schemeClr>
-              </a:solidFill>
-              <a:cs typeface="2  Tabassom" panose="00000400000000000000" pitchFamily="2" charset="-78"/>
-            </a:endParaRPr>
-          </a:p>
-        </p:txBody>
-      </p:sp>
-      <p:sp>
-        <p:nvSpPr>
-          <p:cNvPr id="3" name="TextBox 2">
-            <a:extLst>
-              <a:ext uri="{FF2B5EF4-FFF2-40B4-BE49-F238E27FC236}">
-                <a16:creationId xmlns:a16="http://schemas.microsoft.com/office/drawing/2014/main" id="{F1593792-9169-4003-B733-0188FE23B69A}"/>
-              </a:ext>
-            </a:extLst>
-          </p:cNvPr>
-          <p:cNvSpPr txBox="1"/>
-          <p:nvPr/>
-        </p:nvSpPr>
-        <p:spPr>
-          <a:xfrm>
-            <a:off x="5108895" y="3345110"/>
-            <a:ext cx="5242942" cy="2031325"/>
-          </a:xfrm>
-          <a:prstGeom prst="rect">
-            <a:avLst/>
-          </a:prstGeom>
-          <a:noFill/>
-        </p:spPr>
-        <p:txBody>
-          <a:bodyPr wrap="square" rtlCol="0">
-            <a:spAutoFit/>
-          </a:bodyPr>
-          <a:lstStyle/>
-          <a:p>
-            <a:pPr algn="justLow" rtl="1"/>
-            <a:r>
-              <a:rPr lang="fa-IR" b="0" i="0" dirty="0">
-                <a:solidFill>
-                  <a:srgbClr val="333333"/>
-                </a:solidFill>
-                <a:effectLst/>
-                <a:latin typeface="iranyekan"/>
-                <a:cs typeface="B Nazanin" panose="00000400000000000000" pitchFamily="2" charset="-78"/>
-              </a:rPr>
-              <a:t>مثنوی معنوی یکی از مهم‌ترین آثار عرفانی و ادبی قرن هفتم هجری شمسی است که  برخی به آن لقب مصحف ثانی داده‌اند. گویی مثنوی قرآن دوم ماست. عبدالرحمن </a:t>
-            </a:r>
-            <a:r>
-              <a:rPr lang="fa-IR" b="0" i="0" u="none" strike="noStrike" dirty="0">
-                <a:solidFill>
-                  <a:srgbClr val="5D5D5D"/>
-                </a:solidFill>
-                <a:effectLst/>
-                <a:latin typeface="iranyekan"/>
-                <a:cs typeface="B Nazanin" panose="00000400000000000000" pitchFamily="2" charset="-78"/>
-                <a:hlinkClick r:id="rId3"/>
-              </a:rPr>
-              <a:t>جامی </a:t>
-            </a:r>
-            <a:r>
-              <a:rPr lang="fa-IR" b="0" i="0" dirty="0">
-                <a:solidFill>
-                  <a:srgbClr val="333333"/>
-                </a:solidFill>
-                <a:effectLst/>
-                <a:latin typeface="iranyekan"/>
-                <a:cs typeface="B Nazanin" panose="00000400000000000000" pitchFamily="2" charset="-78"/>
-              </a:rPr>
-              <a:t>در توصیف این اثر عرفانی ارزشمند  آن را قرآن در زبان فارسی نامیده و جلال‌الدین همایی شاعر و نویسنده معاصر ایرانی نیز آن را هم‌ سروده‌های گاتا و عهد جدید دانسته است. بسیاری از اهل طریقت، مثنوی معنوی را کتابی برای دستیابی به حقیقت می‌دانند.</a:t>
-            </a:r>
-            <a:endParaRPr lang="en-US" dirty="0">
-              <a:cs typeface="B Nazanin" panose="00000400000000000000" pitchFamily="2" charset="-78"/>
-            </a:endParaRPr>
-          </a:p>
-        </p:txBody>
-      </p:sp>
-    </p:spTree>
-    <p:extLst>
-      <p:ext uri="{BB962C8B-B14F-4D97-AF65-F5344CB8AC3E}">
-        <p14:creationId xmlns:p14="http://schemas.microsoft.com/office/powerpoint/2010/main" val="121601030"/>
-      </p:ext>
-    </p:extLst>
-  </p:cSld>
-  <p:clrMapOvr>
-    <a:overrideClrMapping bg1="lt1" tx1="dk1" bg2="lt2" tx2="dk2" accent1="accent1" accent2="accent2" accent3="accent3" accent4="accent4" accent5="accent5" accent6="accent6" hlink="hlink" folHlink="folHlink"/>
-  </p:clrMapOvr>
-</p:sld>
-</file>
-
-<file path=ppt/slides/slide20.xml><?xml version="1.0" encoding="utf-8"?>
-<p:sld xmlns:a="http://schemas.openxmlformats.org/drawingml/2006/main" xmlns:r="http://schemas.openxmlformats.org/officeDocument/2006/relationships" xmlns:p="http://schemas.openxmlformats.org/presentationml/2006/main">
-  <p:cSld>
-    <p:bg>
-      <p:bgPr>
-        <a:blipFill rotWithShape="1">
-          <a:blip r:embed="rId2">
-            <a:duotone>
-              <a:schemeClr val="bg1">
-                <a:tint val="95000"/>
-              </a:schemeClr>
-              <a:schemeClr val="bg1">
-                <a:shade val="92000"/>
-                <a:satMod val="115000"/>
-              </a:schemeClr>
-            </a:duotone>
-          </a:blip>
-          <a:tile tx="0" ty="0" sx="60000" sy="60000" flip="none" algn="tl"/>
-        </a:blipFill>
-        <a:effectLst/>
-      </p:bgPr>
-    </p:bg>
-    <p:spTree>
-      <p:nvGrpSpPr>
-        <p:cNvPr id="1" name=""/>
-        <p:cNvGrpSpPr/>
-        <p:nvPr/>
-      </p:nvGrpSpPr>
-      <p:grpSpPr>
-        <a:xfrm>
-          <a:off x="0" y="0"/>
-          <a:ext cx="0" cy="0"/>
-          <a:chOff x="0" y="0"/>
-          <a:chExt cx="0" cy="0"/>
-        </a:xfrm>
-      </p:grpSpPr>
-      <p:sp useBgFill="1">
-        <p:nvSpPr>
-          <p:cNvPr id="135" name="Rectangle 134">
-            <a:extLst>
-              <a:ext uri="{FF2B5EF4-FFF2-40B4-BE49-F238E27FC236}">
-                <a16:creationId xmlns:a16="http://schemas.microsoft.com/office/drawing/2014/main" id="{1E94681D-2A4C-4A8D-B9B5-31D440D0328D}"/>
-              </a:ext>
-              <a:ext uri="{C183D7F6-B498-43B3-948B-1728B52AA6E4}">
-                <adec:decorative xmlns:adec="http://schemas.microsoft.com/office/drawing/2017/decorative" val="1"/>
-              </a:ext>
-            </a:extLst>
-          </p:cNvPr>
-          <p:cNvSpPr>
-            <a:spLocks noGrp="1" noRot="1" noChangeAspect="1" noMove="1" noResize="1" noEditPoints="1" noAdjustHandles="1" noChangeArrowheads="1" noChangeShapeType="1" noTextEdit="1"/>
-          </p:cNvSpPr>
-          <p:nvPr>
-            <p:extLst>
-              <p:ext uri="{386F3935-93C4-4BCD-93E2-E3B085C9AB24}">
-                <p16:designElem xmlns:p16="http://schemas.microsoft.com/office/powerpoint/2015/main" val="1"/>
-              </p:ext>
-            </p:extLst>
-          </p:nvPr>
-        </p:nvSpPr>
-        <p:spPr>
-          <a:xfrm>
-            <a:off x="0" y="0"/>
-            <a:ext cx="12192000" cy="6858000"/>
-          </a:xfrm>
-          <a:prstGeom prst="rect">
-            <a:avLst/>
-          </a:prstGeom>
-          <a:ln>
-            <a:noFill/>
-          </a:ln>
-        </p:spPr>
-        <p:style>
-          <a:lnRef idx="2">
-            <a:schemeClr val="accent1">
-              <a:shade val="50000"/>
-            </a:schemeClr>
-          </a:lnRef>
-          <a:fillRef idx="1">
-            <a:schemeClr val="accent1"/>
-          </a:fillRef>
-          <a:effectRef idx="0">
-            <a:schemeClr val="accent1"/>
-          </a:effectRef>
-          <a:fontRef idx="minor">
-            <a:schemeClr val="lt1"/>
-          </a:fontRef>
-        </p:style>
-        <p:txBody>
-          <a:bodyPr rtlCol="0" anchor="ctr"/>
-          <a:lstStyle/>
-          <a:p>
-            <a:pPr algn="ctr"/>
-            <a:endParaRPr lang="en-US"/>
-          </a:p>
-        </p:txBody>
-      </p:sp>
-      <p:sp>
-        <p:nvSpPr>
-          <p:cNvPr id="137" name="Rectangle 136">
-            <a:extLst>
-              <a:ext uri="{FF2B5EF4-FFF2-40B4-BE49-F238E27FC236}">
-                <a16:creationId xmlns:a16="http://schemas.microsoft.com/office/drawing/2014/main" id="{4EC7E010-C712-408D-9787-0842AFC9F4BB}"/>
-              </a:ext>
-              <a:ext uri="{C183D7F6-B498-43B3-948B-1728B52AA6E4}">
-                <adec:decorative xmlns:adec="http://schemas.microsoft.com/office/drawing/2017/decorative" val="1"/>
-              </a:ext>
-            </a:extLst>
-          </p:cNvPr>
-          <p:cNvSpPr>
-            <a:spLocks noGrp="1" noRot="1" noChangeAspect="1" noMove="1" noResize="1" noEditPoints="1" noAdjustHandles="1" noChangeArrowheads="1" noChangeShapeType="1" noTextEdit="1"/>
-          </p:cNvSpPr>
-          <p:nvPr>
-            <p:extLst>
-              <p:ext uri="{386F3935-93C4-4BCD-93E2-E3B085C9AB24}">
-                <p16:designElem xmlns:p16="http://schemas.microsoft.com/office/powerpoint/2015/main" val="1"/>
-              </p:ext>
-            </p:extLst>
-          </p:nvPr>
-        </p:nvSpPr>
-        <p:spPr>
-          <a:xfrm>
-            <a:off x="234696" y="237744"/>
-            <a:ext cx="11722608" cy="6382512"/>
-          </a:xfrm>
-          <a:prstGeom prst="rect">
-            <a:avLst/>
-          </a:prstGeom>
-          <a:solidFill>
-            <a:schemeClr val="bg1">
-              <a:lumMod val="75000"/>
-              <a:alpha val="60000"/>
-            </a:schemeClr>
-          </a:solidFill>
-          <a:ln w="6350" cap="flat" cmpd="sng" algn="ctr">
-            <a:noFill/>
-            <a:prstDash val="solid"/>
-          </a:ln>
-          <a:effectLst>
-            <a:softEdge rad="0"/>
-          </a:effectLst>
-        </p:spPr>
-      </p:sp>
-      <p:sp>
-        <p:nvSpPr>
-          <p:cNvPr id="139" name="Rectangle 138">
-            <a:extLst>
-              <a:ext uri="{FF2B5EF4-FFF2-40B4-BE49-F238E27FC236}">
-                <a16:creationId xmlns:a16="http://schemas.microsoft.com/office/drawing/2014/main" id="{0503FCEF-A9BA-4991-9220-E36615FB8B53}"/>
-              </a:ext>
-              <a:ext uri="{C183D7F6-B498-43B3-948B-1728B52AA6E4}">
-                <adec:decorative xmlns:adec="http://schemas.microsoft.com/office/drawing/2017/decorative" val="1"/>
-              </a:ext>
-            </a:extLst>
-          </p:cNvPr>
-          <p:cNvSpPr>
-            <a:spLocks noGrp="1" noRot="1" noChangeAspect="1" noMove="1" noResize="1" noEditPoints="1" noAdjustHandles="1" noChangeArrowheads="1" noChangeShapeType="1" noTextEdit="1"/>
-          </p:cNvSpPr>
-          <p:nvPr>
-            <p:extLst>
-              <p:ext uri="{386F3935-93C4-4BCD-93E2-E3B085C9AB24}">
-                <p16:designElem xmlns:p16="http://schemas.microsoft.com/office/powerpoint/2015/main" val="1"/>
-              </p:ext>
-            </p:extLst>
-          </p:nvPr>
-        </p:nvSpPr>
-        <p:spPr>
-          <a:xfrm>
-            <a:off x="371856" y="374904"/>
-            <a:ext cx="11448288" cy="6108192"/>
-          </a:xfrm>
-          <a:prstGeom prst="rect">
-            <a:avLst/>
-          </a:prstGeom>
-          <a:noFill/>
-          <a:ln w="6350" cap="sq" cmpd="sng" algn="ctr">
-            <a:solidFill>
-              <a:schemeClr val="tx1">
-                <a:lumMod val="85000"/>
-                <a:lumOff val="15000"/>
-              </a:schemeClr>
-            </a:solidFill>
-            <a:prstDash val="solid"/>
-            <a:miter lim="800000"/>
-          </a:ln>
-          <a:effectLst/>
-        </p:spPr>
-      </p:sp>
-      <p:sp useBgFill="1">
-        <p:nvSpPr>
-          <p:cNvPr id="141" name="Rectangle 140">
-            <a:extLst>
-              <a:ext uri="{FF2B5EF4-FFF2-40B4-BE49-F238E27FC236}">
-                <a16:creationId xmlns:a16="http://schemas.microsoft.com/office/drawing/2014/main" id="{A069235B-22DB-4231-8291-D64DA2CDEB4E}"/>
-              </a:ext>
-              <a:ext uri="{C183D7F6-B498-43B3-948B-1728B52AA6E4}">
-                <adec:decorative xmlns:adec="http://schemas.microsoft.com/office/drawing/2017/decorative" val="1"/>
-              </a:ext>
-            </a:extLst>
-          </p:cNvPr>
-          <p:cNvSpPr>
-            <a:spLocks noGrp="1" noRot="1" noChangeAspect="1" noMove="1" noResize="1" noEditPoints="1" noAdjustHandles="1" noChangeArrowheads="1" noChangeShapeType="1" noTextEdit="1"/>
-          </p:cNvSpPr>
-          <p:nvPr>
-            <p:extLst>
-              <p:ext uri="{386F3935-93C4-4BCD-93E2-E3B085C9AB24}">
-                <p16:designElem xmlns:p16="http://schemas.microsoft.com/office/powerpoint/2015/main" val="1"/>
-              </p:ext>
-            </p:extLst>
-          </p:nvPr>
-        </p:nvSpPr>
-        <p:spPr>
-          <a:xfrm>
-            <a:off x="0" y="0"/>
-            <a:ext cx="12192000" cy="6858000"/>
-          </a:xfrm>
-          <a:prstGeom prst="rect">
-            <a:avLst/>
-          </a:prstGeom>
-          <a:ln>
-            <a:noFill/>
-          </a:ln>
-        </p:spPr>
-        <p:style>
-          <a:lnRef idx="2">
-            <a:schemeClr val="accent1">
-              <a:shade val="50000"/>
-            </a:schemeClr>
-          </a:lnRef>
-          <a:fillRef idx="1002">
-            <a:schemeClr val="lt2"/>
-          </a:fillRef>
-          <a:effectRef idx="0">
-            <a:schemeClr val="accent1"/>
-          </a:effectRef>
-          <a:fontRef idx="minor">
-            <a:schemeClr val="lt1"/>
-          </a:fontRef>
-        </p:style>
-        <p:txBody>
-          <a:bodyPr rtlCol="0" anchor="ctr"/>
-          <a:lstStyle/>
-          <a:p>
-            <a:pPr algn="ctr"/>
-            <a:endParaRPr lang="en-US"/>
-          </a:p>
-        </p:txBody>
-      </p:sp>
-      <p:sp>
-        <p:nvSpPr>
-          <p:cNvPr id="143" name="Rectangle 142">
-            <a:extLst>
-              <a:ext uri="{FF2B5EF4-FFF2-40B4-BE49-F238E27FC236}">
-                <a16:creationId xmlns:a16="http://schemas.microsoft.com/office/drawing/2014/main" id="{7AAE40DA-1F5A-4A1A-89CA-2BC620DCDB96}"/>
-              </a:ext>
-              <a:ext uri="{C183D7F6-B498-43B3-948B-1728B52AA6E4}">
-                <adec:decorative xmlns:adec="http://schemas.microsoft.com/office/drawing/2017/decorative" val="1"/>
-              </a:ext>
-            </a:extLst>
-          </p:cNvPr>
-          <p:cNvSpPr>
-            <a:spLocks noGrp="1" noRot="1" noChangeAspect="1" noMove="1" noResize="1" noEditPoints="1" noAdjustHandles="1" noChangeArrowheads="1" noChangeShapeType="1" noTextEdit="1"/>
-          </p:cNvSpPr>
-          <p:nvPr>
-            <p:extLst>
-              <p:ext uri="{386F3935-93C4-4BCD-93E2-E3B085C9AB24}">
-                <p16:designElem xmlns:p16="http://schemas.microsoft.com/office/powerpoint/2015/main" val="1"/>
-              </p:ext>
-            </p:extLst>
-          </p:nvPr>
-        </p:nvSpPr>
-        <p:spPr>
-          <a:xfrm>
-            <a:off x="477012" y="480060"/>
-            <a:ext cx="11237976" cy="5897880"/>
-          </a:xfrm>
-          <a:prstGeom prst="rect">
-            <a:avLst/>
-          </a:prstGeom>
-          <a:solidFill>
-            <a:schemeClr val="bg1"/>
-          </a:solidFill>
-          <a:ln w="6350" cap="flat" cmpd="sng" algn="ctr">
-            <a:noFill/>
-            <a:prstDash val="solid"/>
-          </a:ln>
-          <a:effectLst>
-            <a:outerShdw blurRad="50800" algn="ctr" rotWithShape="0">
-              <a:prstClr val="black">
-                <a:alpha val="66000"/>
-              </a:prstClr>
-            </a:outerShdw>
-            <a:softEdge rad="0"/>
-          </a:effectLst>
-        </p:spPr>
-        <p:txBody>
-          <a:bodyPr rtlCol="0" anchor="ctr"/>
-          <a:lstStyle/>
-          <a:p>
-            <a:pPr algn="ctr"/>
-            <a:endParaRPr lang="en-US"/>
-          </a:p>
-        </p:txBody>
-      </p:sp>
-      <p:pic>
-        <p:nvPicPr>
-          <p:cNvPr id="2050" name="Picture 2">
-            <a:extLst>
-              <a:ext uri="{FF2B5EF4-FFF2-40B4-BE49-F238E27FC236}">
-                <a16:creationId xmlns:a16="http://schemas.microsoft.com/office/drawing/2014/main" id="{0D0BB9DB-A301-4842-A792-2010A4D52D0F}"/>
-              </a:ext>
-            </a:extLst>
-          </p:cNvPr>
-          <p:cNvPicPr>
-            <a:picLocks noChangeAspect="1" noChangeArrowheads="1"/>
-          </p:cNvPicPr>
-          <p:nvPr/>
-        </p:nvPicPr>
         <p:blipFill>
-          <a:blip r:embed="rId3">
-            <a:extLst>
-              <a:ext uri="{28A0092B-C50C-407E-A947-70E740481C1C}">
-                <a14:useLocalDpi xmlns:a14="http://schemas.microsoft.com/office/drawing/2010/main" val="0"/>
-              </a:ext>
-            </a:extLst>
-          </a:blip>
+          <a:blip r:embed="rId4"/>
           <a:stretch>
             <a:fillRect/>
           </a:stretch>
         </p:blipFill>
-        <p:spPr bwMode="auto">
-          <a:xfrm>
-            <a:off x="1611351" y="794269"/>
-            <a:ext cx="8969297" cy="5269462"/>
-          </a:xfrm>
-          <a:prstGeom prst="rect">
-            <a:avLst/>
-          </a:prstGeom>
-          <a:noFill/>
-          <a:extLst>
-            <a:ext uri="{909E8E84-426E-40DD-AFC4-6F175D3DCCD1}">
-              <a14:hiddenFill xmlns:a14="http://schemas.microsoft.com/office/drawing/2010/main">
-                <a:solidFill>
-                  <a:srgbClr val="FFFFFF"/>
-                </a:solidFill>
-              </a14:hiddenFill>
-            </a:ext>
-          </a:extLst>
+        <p:spPr>
+          <a:xfrm>
+            <a:off x="3789172" y="922366"/>
+            <a:ext cx="7746631" cy="2963085"/>
+          </a:xfrm>
+          <a:prstGeom prst="rect">
+            <a:avLst/>
+          </a:prstGeom>
         </p:spPr>
       </p:pic>
-    </p:spTree>
-    <p:extLst>
-      <p:ext uri="{BB962C8B-B14F-4D97-AF65-F5344CB8AC3E}">
-        <p14:creationId xmlns:p14="http://schemas.microsoft.com/office/powerpoint/2010/main" val="3066390291"/>
-      </p:ext>
-    </p:extLst>
-  </p:cSld>
-  <p:clrMapOvr>
-    <a:overrideClrMapping bg1="lt1" tx1="dk1" bg2="lt2" tx2="dk2" accent1="accent1" accent2="accent2" accent3="accent3" accent4="accent4" accent5="accent5" accent6="accent6" hlink="hlink" folHlink="folHlink"/>
-  </p:clrMapOvr>
-</p:sld>
-</file>
-
-<file path=ppt/slides/slide21.xml><?xml version="1.0" encoding="utf-8"?>
-<p:sld xmlns:a="http://schemas.openxmlformats.org/drawingml/2006/main" xmlns:r="http://schemas.openxmlformats.org/officeDocument/2006/relationships" xmlns:p="http://schemas.openxmlformats.org/presentationml/2006/main">
-  <p:cSld>
-    <p:bg>
-      <p:bgPr>
-        <a:solidFill>
-          <a:schemeClr val="bg1"/>
-        </a:solidFill>
-        <a:effectLst/>
-      </p:bgPr>
-    </p:bg>
-    <p:spTree>
-      <p:nvGrpSpPr>
-        <p:cNvPr id="1" name=""/>
-        <p:cNvGrpSpPr/>
-        <p:nvPr/>
-      </p:nvGrpSpPr>
-      <p:grpSpPr>
-        <a:xfrm>
-          <a:off x="0" y="0"/>
-          <a:ext cx="0" cy="0"/>
-          <a:chOff x="0" y="0"/>
-          <a:chExt cx="0" cy="0"/>
-        </a:xfrm>
-      </p:grpSpPr>
-      <p:sp>
-        <p:nvSpPr>
-          <p:cNvPr id="92" name="Rectangle 64">
-            <a:extLst>
-              <a:ext uri="{FF2B5EF4-FFF2-40B4-BE49-F238E27FC236}">
-                <a16:creationId xmlns:a16="http://schemas.microsoft.com/office/drawing/2014/main" id="{904DB13E-F722-4ED6-BB00-556651E95281}"/>
-              </a:ext>
-              <a:ext uri="{C183D7F6-B498-43B3-948B-1728B52AA6E4}">
-                <adec:decorative xmlns:adec="http://schemas.microsoft.com/office/drawing/2017/decorative" val="1"/>
-              </a:ext>
-            </a:extLst>
-          </p:cNvPr>
-          <p:cNvSpPr>
-            <a:spLocks noGrp="1" noRot="1" noChangeAspect="1" noMove="1" noResize="1" noEditPoints="1" noAdjustHandles="1" noChangeArrowheads="1" noChangeShapeType="1" noTextEdit="1"/>
-          </p:cNvSpPr>
-          <p:nvPr>
-            <p:extLst>
-              <p:ext uri="{386F3935-93C4-4BCD-93E2-E3B085C9AB24}">
-                <p16:designElem xmlns:p16="http://schemas.microsoft.com/office/powerpoint/2015/main" val="1"/>
-              </p:ext>
-            </p:extLst>
-          </p:nvPr>
-        </p:nvSpPr>
-        <p:spPr>
-          <a:xfrm>
-            <a:off x="0" y="0"/>
-            <a:ext cx="12192000" cy="6858000"/>
-          </a:xfrm>
-          <a:prstGeom prst="rect">
-            <a:avLst/>
-          </a:prstGeom>
-          <a:solidFill>
-            <a:schemeClr val="tx1">
-              <a:lumMod val="65000"/>
-              <a:lumOff val="35000"/>
-            </a:schemeClr>
-          </a:solidFill>
-          <a:ln>
-            <a:noFill/>
-          </a:ln>
-        </p:spPr>
-        <p:style>
-          <a:lnRef idx="2">
-            <a:schemeClr val="accent1">
-              <a:shade val="50000"/>
-            </a:schemeClr>
-          </a:lnRef>
-          <a:fillRef idx="1">
-            <a:schemeClr val="accent1"/>
-          </a:fillRef>
-          <a:effectRef idx="0">
-            <a:schemeClr val="accent1"/>
-          </a:effectRef>
-          <a:fontRef idx="minor">
-            <a:schemeClr val="lt1"/>
-          </a:fontRef>
-        </p:style>
-        <p:txBody>
-          <a:bodyPr rtlCol="0" anchor="ctr"/>
-          <a:lstStyle/>
-          <a:p>
-            <a:pPr algn="ctr"/>
-            <a:endParaRPr lang="en-US"/>
-          </a:p>
-        </p:txBody>
-      </p:sp>
-      <p:sp useBgFill="1">
-        <p:nvSpPr>
-          <p:cNvPr id="93" name="Rectangle 66">
-            <a:extLst>
-              <a:ext uri="{FF2B5EF4-FFF2-40B4-BE49-F238E27FC236}">
-                <a16:creationId xmlns:a16="http://schemas.microsoft.com/office/drawing/2014/main" id="{1E8D93C5-28EB-42D0-86CE-D804955653CC}"/>
-              </a:ext>
-              <a:ext uri="{C183D7F6-B498-43B3-948B-1728B52AA6E4}">
-                <adec:decorative xmlns:adec="http://schemas.microsoft.com/office/drawing/2017/decorative" val="1"/>
-              </a:ext>
-            </a:extLst>
-          </p:cNvPr>
-          <p:cNvSpPr>
-            <a:spLocks noGrp="1" noRot="1" noChangeAspect="1" noMove="1" noResize="1" noEditPoints="1" noAdjustHandles="1" noChangeArrowheads="1" noChangeShapeType="1" noTextEdit="1"/>
-          </p:cNvSpPr>
-          <p:nvPr>
-            <p:extLst>
-              <p:ext uri="{386F3935-93C4-4BCD-93E2-E3B085C9AB24}">
-                <p16:designElem xmlns:p16="http://schemas.microsoft.com/office/powerpoint/2015/main" val="1"/>
-              </p:ext>
-            </p:extLst>
-          </p:nvPr>
-        </p:nvSpPr>
-        <p:spPr>
-          <a:xfrm>
-            <a:off x="1307870" y="1267730"/>
-            <a:ext cx="9576262" cy="4307950"/>
-          </a:xfrm>
-          <a:prstGeom prst="rect">
-            <a:avLst/>
-          </a:prstGeom>
-          <a:ln w="6350" cap="flat" cmpd="sng" algn="ctr">
-            <a:noFill/>
-            <a:prstDash val="solid"/>
-          </a:ln>
-          <a:effectLst>
-            <a:outerShdw blurRad="50800" algn="ctr" rotWithShape="0">
-              <a:prstClr val="black">
-                <a:alpha val="66000"/>
-              </a:prstClr>
-            </a:outerShdw>
-            <a:softEdge rad="0"/>
-          </a:effectLst>
-        </p:spPr>
-      </p:sp>
-      <p:sp>
-        <p:nvSpPr>
-          <p:cNvPr id="94" name="Rectangle 68">
-            <a:extLst>
-              <a:ext uri="{FF2B5EF4-FFF2-40B4-BE49-F238E27FC236}">
-                <a16:creationId xmlns:a16="http://schemas.microsoft.com/office/drawing/2014/main" id="{AB1B1E7D-F76D-4744-AF85-239E6998A4C5}"/>
-              </a:ext>
-              <a:ext uri="{C183D7F6-B498-43B3-948B-1728B52AA6E4}">
-                <adec:decorative xmlns:adec="http://schemas.microsoft.com/office/drawing/2017/decorative" val="1"/>
-              </a:ext>
-            </a:extLst>
-          </p:cNvPr>
-          <p:cNvSpPr>
-            <a:spLocks noGrp="1" noRot="1" noChangeAspect="1" noMove="1" noResize="1" noEditPoints="1" noAdjustHandles="1" noChangeArrowheads="1" noChangeShapeType="1" noTextEdit="1"/>
-          </p:cNvSpPr>
-          <p:nvPr>
-            <p:extLst>
-              <p:ext uri="{386F3935-93C4-4BCD-93E2-E3B085C9AB24}">
-                <p16:designElem xmlns:p16="http://schemas.microsoft.com/office/powerpoint/2015/main" val="1"/>
-              </p:ext>
-            </p:extLst>
-          </p:nvPr>
-        </p:nvSpPr>
-        <p:spPr>
-          <a:xfrm>
-            <a:off x="1447801" y="1411615"/>
-            <a:ext cx="9296400" cy="4034770"/>
-          </a:xfrm>
-          <a:prstGeom prst="rect">
-            <a:avLst/>
-          </a:prstGeom>
-          <a:noFill/>
-          <a:ln w="6350" cap="sq" cmpd="sng" algn="ctr">
-            <a:solidFill>
-              <a:schemeClr val="tx1">
-                <a:lumMod val="75000"/>
-                <a:lumOff val="25000"/>
-              </a:schemeClr>
-            </a:solidFill>
-            <a:prstDash val="solid"/>
-            <a:miter lim="800000"/>
-          </a:ln>
-          <a:effectLst/>
-        </p:spPr>
-      </p:sp>
-      <p:sp>
-        <p:nvSpPr>
-          <p:cNvPr id="95" name="Rectangle 70">
-            <a:extLst>
-              <a:ext uri="{FF2B5EF4-FFF2-40B4-BE49-F238E27FC236}">
-                <a16:creationId xmlns:a16="http://schemas.microsoft.com/office/drawing/2014/main" id="{3BB65211-00DB-45B6-A223-033B2D19CBE8}"/>
-              </a:ext>
-              <a:ext uri="{C183D7F6-B498-43B3-948B-1728B52AA6E4}">
-                <adec:decorative xmlns:adec="http://schemas.microsoft.com/office/drawing/2017/decorative" val="1"/>
-              </a:ext>
-            </a:extLst>
-          </p:cNvPr>
-          <p:cNvSpPr>
-            <a:spLocks noGrp="1" noRot="1" noChangeAspect="1" noMove="1" noResize="1" noEditPoints="1" noAdjustHandles="1" noChangeArrowheads="1" noChangeShapeType="1" noTextEdit="1"/>
-          </p:cNvSpPr>
-          <p:nvPr>
-            <p:extLst>
-              <p:ext uri="{386F3935-93C4-4BCD-93E2-E3B085C9AB24}">
-                <p16:designElem xmlns:p16="http://schemas.microsoft.com/office/powerpoint/2015/main" val="1"/>
-              </p:ext>
-            </p:extLst>
-          </p:nvPr>
-        </p:nvSpPr>
-        <p:spPr>
-          <a:xfrm>
-            <a:off x="5135880" y="1267730"/>
-            <a:ext cx="1920240" cy="731520"/>
-          </a:xfrm>
-          <a:prstGeom prst="rect">
-            <a:avLst/>
-          </a:prstGeom>
-          <a:solidFill>
-            <a:schemeClr val="accent1"/>
-          </a:solidFill>
-          <a:ln>
-            <a:noFill/>
-          </a:ln>
-        </p:spPr>
-        <p:style>
-          <a:lnRef idx="2">
-            <a:schemeClr val="accent1">
-              <a:shade val="50000"/>
-            </a:schemeClr>
-          </a:lnRef>
-          <a:fillRef idx="1">
-            <a:schemeClr val="accent1"/>
-          </a:fillRef>
-          <a:effectRef idx="0">
-            <a:schemeClr val="accent1"/>
-          </a:effectRef>
-          <a:fontRef idx="minor">
-            <a:schemeClr val="lt1"/>
-          </a:fontRef>
-        </p:style>
-      </p:sp>
-      <p:grpSp>
-        <p:nvGrpSpPr>
-          <p:cNvPr id="96" name="Group 72">
-            <a:extLst>
-              <a:ext uri="{FF2B5EF4-FFF2-40B4-BE49-F238E27FC236}">
-                <a16:creationId xmlns:a16="http://schemas.microsoft.com/office/drawing/2014/main" id="{E26428D7-C6F3-473D-A360-A3F5C3E8728C}"/>
-              </a:ext>
-              <a:ext uri="{C183D7F6-B498-43B3-948B-1728B52AA6E4}">
-                <adec:decorative xmlns:adec="http://schemas.microsoft.com/office/drawing/2017/decorative" val="1"/>
-              </a:ext>
-            </a:extLst>
-          </p:cNvPr>
-          <p:cNvGrpSpPr>
-            <a:grpSpLocks noGrp="1" noUngrp="1" noRot="1" noChangeAspect="1" noMove="1" noResize="1"/>
-          </p:cNvGrpSpPr>
-          <p:nvPr>
-            <p:extLst>
-              <p:ext uri="{386F3935-93C4-4BCD-93E2-E3B085C9AB24}">
-                <p16:designElem xmlns:p16="http://schemas.microsoft.com/office/powerpoint/2015/main" val="1"/>
-              </p:ext>
-            </p:extLst>
-          </p:nvPr>
-        </p:nvGrpSpPr>
-        <p:grpSpPr>
-          <a:xfrm>
-            <a:off x="5250180" y="1267730"/>
-            <a:ext cx="1691640" cy="615934"/>
-            <a:chOff x="5250180" y="1267730"/>
-            <a:chExt cx="1691640" cy="615934"/>
-          </a:xfrm>
-        </p:grpSpPr>
-        <p:cxnSp>
-          <p:nvCxnSpPr>
-            <p:cNvPr id="74" name="Straight Connector 73">
-              <a:extLst>
-                <a:ext uri="{FF2B5EF4-FFF2-40B4-BE49-F238E27FC236}">
-                  <a16:creationId xmlns:a16="http://schemas.microsoft.com/office/drawing/2014/main" id="{14DF524F-3FEF-4236-90C6-820E876A94EE}"/>
-                </a:ext>
-                <a:ext uri="{C183D7F6-B498-43B3-948B-1728B52AA6E4}">
-                  <adec:decorative xmlns:adec="http://schemas.microsoft.com/office/drawing/2017/decorative" val="1"/>
-                </a:ext>
-              </a:extLst>
-            </p:cNvPr>
-            <p:cNvCxnSpPr/>
-            <p:nvPr>
-              <p:extLst>
-                <p:ext uri="{386F3935-93C4-4BCD-93E2-E3B085C9AB24}">
-                  <p16:designElem xmlns:p16="http://schemas.microsoft.com/office/powerpoint/2015/main" val="1"/>
-                </p:ext>
-              </p:extLst>
-            </p:nvPr>
-          </p:nvCxnSpPr>
-          <p:spPr>
-            <a:xfrm>
-              <a:off x="5250180" y="1267730"/>
-              <a:ext cx="0" cy="612648"/>
-            </a:xfrm>
-            <a:prstGeom prst="line">
-              <a:avLst/>
-            </a:prstGeom>
-            <a:solidFill>
-              <a:schemeClr val="tx1">
-                <a:lumMod val="85000"/>
-                <a:lumOff val="15000"/>
-              </a:schemeClr>
-            </a:solidFill>
-            <a:ln>
-              <a:solidFill>
-                <a:srgbClr val="FFFFFF"/>
-              </a:solidFill>
-              <a:miter lim="800000"/>
-            </a:ln>
-          </p:spPr>
-          <p:style>
-            <a:lnRef idx="1">
-              <a:schemeClr val="accent1"/>
-            </a:lnRef>
-            <a:fillRef idx="0">
-              <a:schemeClr val="accent1"/>
-            </a:fillRef>
-            <a:effectRef idx="0">
-              <a:schemeClr val="accent1"/>
-            </a:effectRef>
-            <a:fontRef idx="minor">
-              <a:schemeClr val="tx1"/>
-            </a:fontRef>
-          </p:style>
-        </p:cxnSp>
-        <p:cxnSp>
-          <p:nvCxnSpPr>
-            <p:cNvPr id="75" name="Straight Connector 74">
-              <a:extLst>
-                <a:ext uri="{FF2B5EF4-FFF2-40B4-BE49-F238E27FC236}">
-                  <a16:creationId xmlns:a16="http://schemas.microsoft.com/office/drawing/2014/main" id="{2400A003-1BE9-49C2-8E57-DCD9B870FC8A}"/>
-                </a:ext>
-                <a:ext uri="{C183D7F6-B498-43B3-948B-1728B52AA6E4}">
-                  <adec:decorative xmlns:adec="http://schemas.microsoft.com/office/drawing/2017/decorative" val="1"/>
-                </a:ext>
-              </a:extLst>
-            </p:cNvPr>
-            <p:cNvCxnSpPr/>
-            <p:nvPr>
-              <p:extLst>
-                <p:ext uri="{386F3935-93C4-4BCD-93E2-E3B085C9AB24}">
-                  <p16:designElem xmlns:p16="http://schemas.microsoft.com/office/powerpoint/2015/main" val="1"/>
-                </p:ext>
-              </p:extLst>
-            </p:nvPr>
-          </p:nvCxnSpPr>
-          <p:spPr>
-            <a:xfrm>
-              <a:off x="6941820" y="1267730"/>
-              <a:ext cx="0" cy="612648"/>
-            </a:xfrm>
-            <a:prstGeom prst="line">
-              <a:avLst/>
-            </a:prstGeom>
-            <a:solidFill>
-              <a:schemeClr val="tx1">
-                <a:lumMod val="85000"/>
-                <a:lumOff val="15000"/>
-              </a:schemeClr>
-            </a:solidFill>
-            <a:ln>
-              <a:solidFill>
-                <a:srgbClr val="FFFFFF"/>
-              </a:solidFill>
-              <a:miter lim="800000"/>
-            </a:ln>
-          </p:spPr>
-          <p:style>
-            <a:lnRef idx="1">
-              <a:schemeClr val="accent1"/>
-            </a:lnRef>
-            <a:fillRef idx="0">
-              <a:schemeClr val="accent1"/>
-            </a:fillRef>
-            <a:effectRef idx="0">
-              <a:schemeClr val="accent1"/>
-            </a:effectRef>
-            <a:fontRef idx="minor">
-              <a:schemeClr val="tx1"/>
-            </a:fontRef>
-          </p:style>
-        </p:cxnSp>
-        <p:cxnSp>
-          <p:nvCxnSpPr>
-            <p:cNvPr id="76" name="Straight Connector 75">
-              <a:extLst>
-                <a:ext uri="{FF2B5EF4-FFF2-40B4-BE49-F238E27FC236}">
-                  <a16:creationId xmlns:a16="http://schemas.microsoft.com/office/drawing/2014/main" id="{83BF0991-F9A1-4282-99DB-92D70239F6A9}"/>
-                </a:ext>
-                <a:ext uri="{C183D7F6-B498-43B3-948B-1728B52AA6E4}">
-                  <adec:decorative xmlns:adec="http://schemas.microsoft.com/office/drawing/2017/decorative" val="1"/>
-                </a:ext>
-              </a:extLst>
-            </p:cNvPr>
-            <p:cNvCxnSpPr/>
-            <p:nvPr>
-              <p:extLst>
-                <p:ext uri="{386F3935-93C4-4BCD-93E2-E3B085C9AB24}">
-                  <p16:designElem xmlns:p16="http://schemas.microsoft.com/office/powerpoint/2015/main" val="1"/>
-                </p:ext>
-              </p:extLst>
-            </p:nvPr>
-          </p:nvCxnSpPr>
-          <p:spPr>
-            <a:xfrm>
-              <a:off x="5250180" y="1883664"/>
-              <a:ext cx="1691640" cy="0"/>
-            </a:xfrm>
-            <a:prstGeom prst="line">
-              <a:avLst/>
-            </a:prstGeom>
-            <a:solidFill>
-              <a:schemeClr val="tx1">
-                <a:lumMod val="85000"/>
-                <a:lumOff val="15000"/>
-              </a:schemeClr>
-            </a:solidFill>
-            <a:ln>
-              <a:solidFill>
-                <a:srgbClr val="FFFFFF"/>
-              </a:solidFill>
-              <a:miter lim="800000"/>
-            </a:ln>
-          </p:spPr>
-          <p:style>
-            <a:lnRef idx="1">
-              <a:schemeClr val="accent1"/>
-            </a:lnRef>
-            <a:fillRef idx="0">
-              <a:schemeClr val="accent1"/>
-            </a:fillRef>
-            <a:effectRef idx="0">
-              <a:schemeClr val="accent1"/>
-            </a:effectRef>
-            <a:fontRef idx="minor">
-              <a:schemeClr val="tx1"/>
-            </a:fontRef>
-          </p:style>
-        </p:cxnSp>
-      </p:grpSp>
-      <p:sp>
-        <p:nvSpPr>
-          <p:cNvPr id="97" name="Rectangle 77">
-            <a:extLst>
-              <a:ext uri="{FF2B5EF4-FFF2-40B4-BE49-F238E27FC236}">
-                <a16:creationId xmlns:a16="http://schemas.microsoft.com/office/drawing/2014/main" id="{EA4E4267-CAF0-4C38-8DC6-CD3B1A9F046E}"/>
-              </a:ext>
-              <a:ext uri="{C183D7F6-B498-43B3-948B-1728B52AA6E4}">
-                <adec:decorative xmlns:adec="http://schemas.microsoft.com/office/drawing/2017/decorative" val="1"/>
-              </a:ext>
-            </a:extLst>
-          </p:cNvPr>
-          <p:cNvSpPr>
-            <a:spLocks noGrp="1" noRot="1" noChangeAspect="1" noMove="1" noResize="1" noEditPoints="1" noAdjustHandles="1" noChangeArrowheads="1" noChangeShapeType="1" noTextEdit="1"/>
-          </p:cNvSpPr>
-          <p:nvPr>
-            <p:extLst>
-              <p:ext uri="{386F3935-93C4-4BCD-93E2-E3B085C9AB24}">
-                <p16:designElem xmlns:p16="http://schemas.microsoft.com/office/powerpoint/2015/main" val="1"/>
-              </p:ext>
-            </p:extLst>
-          </p:nvPr>
-        </p:nvSpPr>
-        <p:spPr>
-          <a:xfrm>
-            <a:off x="0" y="0"/>
-            <a:ext cx="12192000" cy="6858000"/>
-          </a:xfrm>
-          <a:prstGeom prst="rect">
-            <a:avLst/>
-          </a:prstGeom>
-          <a:solidFill>
-            <a:schemeClr val="bg2"/>
-          </a:solidFill>
-          <a:ln>
-            <a:noFill/>
-          </a:ln>
-        </p:spPr>
-        <p:style>
-          <a:lnRef idx="2">
-            <a:schemeClr val="accent1">
-              <a:shade val="50000"/>
-            </a:schemeClr>
-          </a:lnRef>
-          <a:fillRef idx="1002">
-            <a:schemeClr val="lt2"/>
-          </a:fillRef>
-          <a:effectRef idx="0">
-            <a:schemeClr val="accent1"/>
-          </a:effectRef>
-          <a:fontRef idx="minor">
-            <a:schemeClr val="lt1"/>
-          </a:fontRef>
-        </p:style>
-        <p:txBody>
-          <a:bodyPr rtlCol="0" anchor="ctr"/>
-          <a:lstStyle/>
-          <a:p>
-            <a:pPr algn="ctr"/>
-            <a:endParaRPr lang="en-US"/>
-          </a:p>
-        </p:txBody>
-      </p:sp>
-      <p:sp>
-        <p:nvSpPr>
-          <p:cNvPr id="98" name="Rectangle 79">
-            <a:extLst>
-              <a:ext uri="{FF2B5EF4-FFF2-40B4-BE49-F238E27FC236}">
-                <a16:creationId xmlns:a16="http://schemas.microsoft.com/office/drawing/2014/main" id="{0EE3ACC5-126D-4BA4-8B45-7F0B5B839C51}"/>
-              </a:ext>
-              <a:ext uri="{C183D7F6-B498-43B3-948B-1728B52AA6E4}">
-                <adec:decorative xmlns:adec="http://schemas.microsoft.com/office/drawing/2017/decorative" val="1"/>
-              </a:ext>
-            </a:extLst>
-          </p:cNvPr>
-          <p:cNvSpPr>
-            <a:spLocks noGrp="1" noRot="1" noChangeAspect="1" noMove="1" noResize="1" noEditPoints="1" noAdjustHandles="1" noChangeArrowheads="1" noChangeShapeType="1" noTextEdit="1"/>
-          </p:cNvSpPr>
-          <p:nvPr>
-            <p:extLst>
-              <p:ext uri="{386F3935-93C4-4BCD-93E2-E3B085C9AB24}">
-                <p16:designElem xmlns:p16="http://schemas.microsoft.com/office/powerpoint/2015/main" val="1"/>
-              </p:ext>
-            </p:extLst>
-          </p:nvPr>
-        </p:nvSpPr>
-        <p:spPr>
-          <a:xfrm>
-            <a:off x="0" y="-2384"/>
-            <a:ext cx="12192000" cy="6858000"/>
-          </a:xfrm>
-          <a:prstGeom prst="rect">
-            <a:avLst/>
-          </a:prstGeom>
-          <a:blipFill dpi="0" rotWithShape="1">
-            <a:blip r:embed="rId2">
-              <a:alphaModFix amt="40000"/>
-              <a:duotone>
-                <a:schemeClr val="accent1">
-                  <a:shade val="45000"/>
-                  <a:satMod val="135000"/>
-                </a:schemeClr>
-                <a:prstClr val="white"/>
-              </a:duotone>
-            </a:blip>
-            <a:srcRect/>
-            <a:tile tx="-133350" ty="330200" sx="85000" sy="85000" flip="xy" algn="tl"/>
-          </a:blipFill>
-          <a:ln>
-            <a:noFill/>
-          </a:ln>
-        </p:spPr>
-        <p:style>
-          <a:lnRef idx="2">
-            <a:schemeClr val="accent1">
-              <a:shade val="50000"/>
-            </a:schemeClr>
-          </a:lnRef>
-          <a:fillRef idx="1">
-            <a:schemeClr val="accent1"/>
-          </a:fillRef>
-          <a:effectRef idx="0">
-            <a:schemeClr val="accent1"/>
-          </a:effectRef>
-          <a:fontRef idx="minor">
-            <a:schemeClr val="lt1"/>
-          </a:fontRef>
-        </p:style>
-      </p:sp>
-      <p:sp>
-        <p:nvSpPr>
-          <p:cNvPr id="99" name="Rectangle 81">
-            <a:extLst>
-              <a:ext uri="{FF2B5EF4-FFF2-40B4-BE49-F238E27FC236}">
-                <a16:creationId xmlns:a16="http://schemas.microsoft.com/office/drawing/2014/main" id="{AB2868F7-FE10-4289-A5BD-90763C7A2F5A}"/>
-              </a:ext>
-              <a:ext uri="{C183D7F6-B498-43B3-948B-1728B52AA6E4}">
-                <adec:decorative xmlns:adec="http://schemas.microsoft.com/office/drawing/2017/decorative" val="1"/>
-              </a:ext>
-            </a:extLst>
-          </p:cNvPr>
-          <p:cNvSpPr>
-            <a:spLocks noGrp="1" noRot="1" noChangeAspect="1" noMove="1" noResize="1" noEditPoints="1" noAdjustHandles="1" noChangeArrowheads="1" noChangeShapeType="1" noTextEdit="1"/>
-          </p:cNvSpPr>
-          <p:nvPr>
-            <p:extLst>
-              <p:ext uri="{386F3935-93C4-4BCD-93E2-E3B085C9AB24}">
-                <p16:designElem xmlns:p16="http://schemas.microsoft.com/office/powerpoint/2015/main" val="1"/>
-              </p:ext>
-            </p:extLst>
-          </p:nvPr>
-        </p:nvSpPr>
-        <p:spPr>
-          <a:xfrm>
-            <a:off x="-1866" y="0"/>
-            <a:ext cx="12193866" cy="6858000"/>
-          </a:xfrm>
-          <a:prstGeom prst="rect">
-            <a:avLst/>
-          </a:prstGeom>
-          <a:solidFill>
-            <a:schemeClr val="bg1"/>
-          </a:solidFill>
-          <a:ln>
-            <a:noFill/>
-          </a:ln>
-        </p:spPr>
-        <p:style>
-          <a:lnRef idx="2">
-            <a:schemeClr val="accent1">
-              <a:shade val="50000"/>
-            </a:schemeClr>
-          </a:lnRef>
-          <a:fillRef idx="1">
-            <a:schemeClr val="accent1"/>
-          </a:fillRef>
-          <a:effectRef idx="0">
-            <a:schemeClr val="accent1"/>
-          </a:effectRef>
-          <a:fontRef idx="minor">
-            <a:schemeClr val="lt1"/>
-          </a:fontRef>
-        </p:style>
-        <p:txBody>
-          <a:bodyPr rtlCol="0" anchor="ctr"/>
-          <a:lstStyle/>
-          <a:p>
-            <a:pPr algn="ctr"/>
-            <a:endParaRPr lang="en-US"/>
-          </a:p>
-        </p:txBody>
-      </p:sp>
-      <p:pic>
-        <p:nvPicPr>
-          <p:cNvPr id="4" name="Picture 3" descr="abstract image">
-            <a:extLst>
-              <a:ext uri="{FF2B5EF4-FFF2-40B4-BE49-F238E27FC236}">
-                <a16:creationId xmlns:a16="http://schemas.microsoft.com/office/drawing/2014/main" id="{5C002EE5-E4FF-463C-8DAA-9AC0B6D407FF}"/>
-              </a:ext>
-            </a:extLst>
-          </p:cNvPr>
-          <p:cNvPicPr>
-            <a:picLocks noChangeAspect="1"/>
-          </p:cNvPicPr>
-          <p:nvPr/>
-        </p:nvPicPr>
-        <p:blipFill rotWithShape="1">
-          <a:blip r:embed="rId3">
-            <a:extLst>
-              <a:ext uri="{28A0092B-C50C-407E-A947-70E740481C1C}">
-                <a14:useLocalDpi xmlns:a14="http://schemas.microsoft.com/office/drawing/2010/main" val="0"/>
-              </a:ext>
-            </a:extLst>
-          </a:blip>
-          <a:stretch/>
-        </p:blipFill>
-        <p:spPr>
-          <a:xfrm>
-            <a:off x="3219031" y="645106"/>
-            <a:ext cx="5740931" cy="3229275"/>
-          </a:xfrm>
-          <a:prstGeom prst="rect">
-            <a:avLst/>
-          </a:prstGeom>
-        </p:spPr>
-      </p:pic>
-      <p:sp>
-        <p:nvSpPr>
-          <p:cNvPr id="100" name="Rectangle 83">
-            <a:extLst>
-              <a:ext uri="{FF2B5EF4-FFF2-40B4-BE49-F238E27FC236}">
-                <a16:creationId xmlns:a16="http://schemas.microsoft.com/office/drawing/2014/main" id="{BD94142C-10EE-487C-A327-404FDF358F22}"/>
-              </a:ext>
-              <a:ext uri="{C183D7F6-B498-43B3-948B-1728B52AA6E4}">
-                <adec:decorative xmlns:adec="http://schemas.microsoft.com/office/drawing/2017/decorative" val="1"/>
-              </a:ext>
-            </a:extLst>
-          </p:cNvPr>
-          <p:cNvSpPr>
-            <a:spLocks noGrp="1" noRot="1" noChangeAspect="1" noMove="1" noResize="1" noEditPoints="1" noAdjustHandles="1" noChangeArrowheads="1" noChangeShapeType="1" noTextEdit="1"/>
-          </p:cNvSpPr>
-          <p:nvPr>
-            <p:extLst>
-              <p:ext uri="{386F3935-93C4-4BCD-93E2-E3B085C9AB24}">
-                <p16:designElem xmlns:p16="http://schemas.microsoft.com/office/powerpoint/2015/main" val="1"/>
-              </p:ext>
-            </p:extLst>
-          </p:nvPr>
-        </p:nvSpPr>
-        <p:spPr>
-          <a:xfrm>
-            <a:off x="630501" y="4212709"/>
-            <a:ext cx="10905302" cy="1997060"/>
-          </a:xfrm>
-          <a:prstGeom prst="rect">
-            <a:avLst/>
-          </a:prstGeom>
-          <a:solidFill>
-            <a:schemeClr val="tx1">
-              <a:lumMod val="75000"/>
-              <a:lumOff val="25000"/>
-            </a:schemeClr>
-          </a:solidFill>
-          <a:ln w="6350" cap="flat" cmpd="sng" algn="ctr">
-            <a:noFill/>
-            <a:prstDash val="solid"/>
-          </a:ln>
-          <a:effectLst>
-            <a:outerShdw blurRad="50800" algn="ctr" rotWithShape="0">
-              <a:prstClr val="black">
-                <a:alpha val="66000"/>
-              </a:prstClr>
-            </a:outerShdw>
-            <a:softEdge rad="0"/>
-          </a:effectLst>
-        </p:spPr>
-      </p:sp>
-      <p:sp>
-        <p:nvSpPr>
-          <p:cNvPr id="101" name="Rectangle 85">
-            <a:extLst>
-              <a:ext uri="{FF2B5EF4-FFF2-40B4-BE49-F238E27FC236}">
-                <a16:creationId xmlns:a16="http://schemas.microsoft.com/office/drawing/2014/main" id="{5F7FAC2D-7A74-4939-A917-A1A5AF935685}"/>
-              </a:ext>
-              <a:ext uri="{C183D7F6-B498-43B3-948B-1728B52AA6E4}">
-                <adec:decorative xmlns:adec="http://schemas.microsoft.com/office/drawing/2017/decorative" val="1"/>
-              </a:ext>
-            </a:extLst>
-          </p:cNvPr>
-          <p:cNvSpPr>
-            <a:spLocks noGrp="1" noRot="1" noChangeAspect="1" noMove="1" noResize="1" noEditPoints="1" noAdjustHandles="1" noChangeArrowheads="1" noChangeShapeType="1" noTextEdit="1"/>
-          </p:cNvSpPr>
-          <p:nvPr>
-            <p:extLst>
-              <p:ext uri="{386F3935-93C4-4BCD-93E2-E3B085C9AB24}">
-                <p16:designElem xmlns:p16="http://schemas.microsoft.com/office/powerpoint/2015/main" val="1"/>
-              </p:ext>
-            </p:extLst>
-          </p:nvPr>
-        </p:nvSpPr>
-        <p:spPr>
-          <a:xfrm>
-            <a:off x="793348" y="4379135"/>
-            <a:ext cx="10579608" cy="1664208"/>
-          </a:xfrm>
-          <a:prstGeom prst="rect">
-            <a:avLst/>
-          </a:prstGeom>
-          <a:noFill/>
-          <a:ln w="6350" cap="sq" cmpd="sng" algn="ctr">
-            <a:solidFill>
-              <a:schemeClr val="bg1"/>
-            </a:solidFill>
-            <a:prstDash val="solid"/>
-            <a:miter lim="800000"/>
-          </a:ln>
-          <a:effectLst/>
-        </p:spPr>
-      </p:sp>
-      <p:sp>
-        <p:nvSpPr>
-          <p:cNvPr id="3" name="TextBox 2">
-            <a:extLst>
-              <a:ext uri="{FF2B5EF4-FFF2-40B4-BE49-F238E27FC236}">
-                <a16:creationId xmlns:a16="http://schemas.microsoft.com/office/drawing/2014/main" id="{F1593792-9169-4003-B733-0188FE23B69A}"/>
-              </a:ext>
-            </a:extLst>
-          </p:cNvPr>
-          <p:cNvSpPr txBox="1"/>
-          <p:nvPr/>
-        </p:nvSpPr>
-        <p:spPr>
-          <a:xfrm>
-            <a:off x="899780" y="4065191"/>
-            <a:ext cx="10366743" cy="2299874"/>
-          </a:xfrm>
-          <a:prstGeom prst="rect">
-            <a:avLst/>
-          </a:prstGeom>
-        </p:spPr>
-        <p:txBody>
-          <a:bodyPr vert="horz" lIns="91440" tIns="45720" rIns="91440" bIns="45720" rtlCol="0" anchor="ctr">
-            <a:normAutofit/>
-          </a:bodyPr>
-          <a:lstStyle/>
-          <a:p>
-            <a:pPr algn="ctr" rtl="1">
-              <a:lnSpc>
-                <a:spcPct val="83000"/>
-              </a:lnSpc>
-              <a:spcBef>
-                <a:spcPct val="0"/>
-              </a:spcBef>
-              <a:spcAft>
-                <a:spcPts val="600"/>
-              </a:spcAft>
-              <a:buClr>
-                <a:schemeClr val="tx1">
-                  <a:lumMod val="85000"/>
-                  <a:lumOff val="15000"/>
-                </a:schemeClr>
-              </a:buClr>
-            </a:pPr>
-            <a:r>
-              <a:rPr lang="fa-IR" sz="3700" cap="all" spc="-100" dirty="0">
-                <a:solidFill>
-                  <a:schemeClr val="bg1"/>
-                </a:solidFill>
-                <a:latin typeface="Calibri" panose="020F0502020204030204" pitchFamily="34" charset="0"/>
-                <a:cs typeface="Calibri" panose="020F0502020204030204" pitchFamily="34" charset="0"/>
-              </a:rPr>
-              <a:t>اسلاید بعد فراوانی کلمات رایج مورد استفاده به تفکیک شش دفتر را نشان می‌دهد.</a:t>
-            </a:r>
-          </a:p>
-        </p:txBody>
-      </p:sp>
     </p:spTree>
     <p:extLst>
       <p:ext uri="{BB962C8B-B14F-4D97-AF65-F5344CB8AC3E}">
@@ -16700,6 +16530,15 @@
 </file>
 
 <file path=customXml/item1.xml><?xml version="1.0" encoding="utf-8"?>
+<?mso-contentType ?>
+<FormTemplates xmlns="http://schemas.microsoft.com/sharepoint/v3/contenttype/forms">
+  <Display>DocumentLibraryForm</Display>
+  <Edit>DocumentLibraryForm</Edit>
+  <New>DocumentLibraryForm</New>
+</FormTemplates>
+</file>
+
+<file path=customXml/item2.xml><?xml version="1.0" encoding="utf-8"?>
 <ct:contentTypeSchema xmlns:ct="http://schemas.microsoft.com/office/2006/metadata/contentType" xmlns:ma="http://schemas.microsoft.com/office/2006/metadata/properties/metaAttributes" ct:_="" ma:_="" ma:contentTypeName="Document" ma:contentTypeID="0x01010079F111ED35F8CC479449609E8A0923A6" ma:contentTypeVersion="12" ma:contentTypeDescription="Create a new document." ma:contentTypeScope="" ma:versionID="a410dd7f93c95333ffa1b60ed6adedd1">
   <xsd:schema xmlns:xsd="http://www.w3.org/2001/XMLSchema" xmlns:xs="http://www.w3.org/2001/XMLSchema" xmlns:p="http://schemas.microsoft.com/office/2006/metadata/properties" xmlns:ns2="71af3243-3dd4-4a8d-8c0d-dd76da1f02a5" xmlns:ns3="16c05727-aa75-4e4a-9b5f-8a80a1165891" targetNamespace="http://schemas.microsoft.com/office/2006/metadata/properties" ma:root="true" ma:fieldsID="a936d9baba76aa3866493feff160faab" ns2:_="" ns3:_="">
     <xsd:import namespace="71af3243-3dd4-4a8d-8c0d-dd76da1f02a5"/>
@@ -16920,15 +16759,6 @@
 </ct:contentTypeSchema>
 </file>
 
-<file path=customXml/item2.xml><?xml version="1.0" encoding="utf-8"?>
-<?mso-contentType ?>
-<FormTemplates xmlns="http://schemas.microsoft.com/sharepoint/v3/contenttype/forms">
-  <Display>DocumentLibraryForm</Display>
-  <Edit>DocumentLibraryForm</Edit>
-  <New>DocumentLibraryForm</New>
-</FormTemplates>
-</file>
-
 <file path=customXml/item3.xml><?xml version="1.0" encoding="utf-8"?>
 <p:properties xmlns:p="http://schemas.microsoft.com/office/2006/metadata/properties" xmlns:xsi="http://www.w3.org/2001/XMLSchema-instance" xmlns:pc="http://schemas.microsoft.com/office/infopath/2007/PartnerControls">
   <documentManagement>
@@ -16939,6 +16769,14 @@
 </file>
 
 <file path=customXml/itemProps1.xml><?xml version="1.0" encoding="utf-8"?>
+<ds:datastoreItem xmlns:ds="http://schemas.openxmlformats.org/officeDocument/2006/customXml" ds:itemID="{659927E4-E194-47BE-91C2-B87D50CF51DB}">
+  <ds:schemaRefs>
+    <ds:schemaRef ds:uri="http://schemas.microsoft.com/sharepoint/v3/contenttype/forms"/>
+  </ds:schemaRefs>
+</ds:datastoreItem>
+</file>
+
+<file path=customXml/itemProps2.xml><?xml version="1.0" encoding="utf-8"?>
 <ds:datastoreItem xmlns:ds="http://schemas.openxmlformats.org/officeDocument/2006/customXml" ds:itemID="{E34A532A-EA0D-41F9-B458-AF9358EF2F07}">
   <ds:schemaRefs>
     <ds:schemaRef ds:uri="http://schemas.microsoft.com/office/2006/metadata/contentType"/>
@@ -16953,14 +16791,6 @@
     <ds:schemaRef ds:uri="http://purl.org/dc/elements/1.1/"/>
     <ds:schemaRef ds:uri="http://purl.org/dc/terms/"/>
     <ds:schemaRef ds:uri="http://schemas.microsoft.com/internal/obd"/>
-  </ds:schemaRefs>
-</ds:datastoreItem>
-</file>
-
-<file path=customXml/itemProps2.xml><?xml version="1.0" encoding="utf-8"?>
-<ds:datastoreItem xmlns:ds="http://schemas.openxmlformats.org/officeDocument/2006/customXml" ds:itemID="{659927E4-E194-47BE-91C2-B87D50CF51DB}">
-  <ds:schemaRefs>
-    <ds:schemaRef ds:uri="http://schemas.microsoft.com/sharepoint/v3/contenttype/forms"/>
   </ds:schemaRefs>
 </ds:datastoreItem>
 </file>
